--- a/Tutorials/MainTutorial.pptx
+++ b/Tutorials/MainTutorial.pptx
@@ -19,6 +19,7 @@
     <p:sldId id="267" r:id="rId13"/>
     <p:sldId id="269" r:id="rId14"/>
     <p:sldId id="268" r:id="rId15"/>
+    <p:sldId id="270" r:id="rId16"/>
   </p:sldIdLst>
   <p:sldSz cx="12192000" cy="6858000"/>
   <p:notesSz cx="6858000" cy="9144000"/>
@@ -117,6 +118,11 @@
       </a:defRPr>
     </a:lvl9pPr>
   </p:defaultTextStyle>
+  <p:extLst>
+    <p:ext uri="{EFAFB233-063F-42B5-8137-9DF3F51BA10A}">
+      <p15:sldGuideLst xmlns:p15="http://schemas.microsoft.com/office/powerpoint/2012/main"/>
+    </p:ext>
+  </p:extLst>
 </p:presentation>
 </file>
 
@@ -267,7 +273,7 @@
           <a:p>
             <a:fld id="{ACC001CD-8C42-4D76-B3BE-7A9DD50F3019}" type="datetimeFigureOut">
               <a:rPr lang="en-US" smtClean="0"/>
-              <a:t>2/27/2020</a:t>
+              <a:t>2/28/2020</a:t>
             </a:fld>
             <a:endParaRPr lang="en-US"/>
           </a:p>
@@ -465,7 +471,7 @@
           <a:p>
             <a:fld id="{ACC001CD-8C42-4D76-B3BE-7A9DD50F3019}" type="datetimeFigureOut">
               <a:rPr lang="en-US" smtClean="0"/>
-              <a:t>2/27/2020</a:t>
+              <a:t>2/28/2020</a:t>
             </a:fld>
             <a:endParaRPr lang="en-US"/>
           </a:p>
@@ -673,7 +679,7 @@
           <a:p>
             <a:fld id="{ACC001CD-8C42-4D76-B3BE-7A9DD50F3019}" type="datetimeFigureOut">
               <a:rPr lang="en-US" smtClean="0"/>
-              <a:t>2/27/2020</a:t>
+              <a:t>2/28/2020</a:t>
             </a:fld>
             <a:endParaRPr lang="en-US"/>
           </a:p>
@@ -871,7 +877,7 @@
           <a:p>
             <a:fld id="{ACC001CD-8C42-4D76-B3BE-7A9DD50F3019}" type="datetimeFigureOut">
               <a:rPr lang="en-US" smtClean="0"/>
-              <a:t>2/27/2020</a:t>
+              <a:t>2/28/2020</a:t>
             </a:fld>
             <a:endParaRPr lang="en-US"/>
           </a:p>
@@ -1146,7 +1152,7 @@
           <a:p>
             <a:fld id="{ACC001CD-8C42-4D76-B3BE-7A9DD50F3019}" type="datetimeFigureOut">
               <a:rPr lang="en-US" smtClean="0"/>
-              <a:t>2/27/2020</a:t>
+              <a:t>2/28/2020</a:t>
             </a:fld>
             <a:endParaRPr lang="en-US"/>
           </a:p>
@@ -1411,7 +1417,7 @@
           <a:p>
             <a:fld id="{ACC001CD-8C42-4D76-B3BE-7A9DD50F3019}" type="datetimeFigureOut">
               <a:rPr lang="en-US" smtClean="0"/>
-              <a:t>2/27/2020</a:t>
+              <a:t>2/28/2020</a:t>
             </a:fld>
             <a:endParaRPr lang="en-US"/>
           </a:p>
@@ -1823,7 +1829,7 @@
           <a:p>
             <a:fld id="{ACC001CD-8C42-4D76-B3BE-7A9DD50F3019}" type="datetimeFigureOut">
               <a:rPr lang="en-US" smtClean="0"/>
-              <a:t>2/27/2020</a:t>
+              <a:t>2/28/2020</a:t>
             </a:fld>
             <a:endParaRPr lang="en-US"/>
           </a:p>
@@ -1964,7 +1970,7 @@
           <a:p>
             <a:fld id="{ACC001CD-8C42-4D76-B3BE-7A9DD50F3019}" type="datetimeFigureOut">
               <a:rPr lang="en-US" smtClean="0"/>
-              <a:t>2/27/2020</a:t>
+              <a:t>2/28/2020</a:t>
             </a:fld>
             <a:endParaRPr lang="en-US"/>
           </a:p>
@@ -2077,7 +2083,7 @@
           <a:p>
             <a:fld id="{ACC001CD-8C42-4D76-B3BE-7A9DD50F3019}" type="datetimeFigureOut">
               <a:rPr lang="en-US" smtClean="0"/>
-              <a:t>2/27/2020</a:t>
+              <a:t>2/28/2020</a:t>
             </a:fld>
             <a:endParaRPr lang="en-US"/>
           </a:p>
@@ -2388,7 +2394,7 @@
           <a:p>
             <a:fld id="{ACC001CD-8C42-4D76-B3BE-7A9DD50F3019}" type="datetimeFigureOut">
               <a:rPr lang="en-US" smtClean="0"/>
-              <a:t>2/27/2020</a:t>
+              <a:t>2/28/2020</a:t>
             </a:fld>
             <a:endParaRPr lang="en-US"/>
           </a:p>
@@ -2676,7 +2682,7 @@
           <a:p>
             <a:fld id="{ACC001CD-8C42-4D76-B3BE-7A9DD50F3019}" type="datetimeFigureOut">
               <a:rPr lang="en-US" smtClean="0"/>
-              <a:t>2/27/2020</a:t>
+              <a:t>2/28/2020</a:t>
             </a:fld>
             <a:endParaRPr lang="en-US"/>
           </a:p>
@@ -2917,7 +2923,7 @@
           <a:p>
             <a:fld id="{ACC001CD-8C42-4D76-B3BE-7A9DD50F3019}" type="datetimeFigureOut">
               <a:rPr lang="en-US" smtClean="0"/>
-              <a:t>2/27/2020</a:t>
+              <a:t>2/28/2020</a:t>
             </a:fld>
             <a:endParaRPr lang="en-US"/>
           </a:p>
@@ -4093,6 +4099,116 @@
     <p:extLst>
       <p:ext uri="{BB962C8B-B14F-4D97-AF65-F5344CB8AC3E}">
         <p14:creationId xmlns:p14="http://schemas.microsoft.com/office/powerpoint/2010/main" val="4243124323"/>
+      </p:ext>
+    </p:extLst>
+  </p:cSld>
+  <p:clrMapOvr>
+    <a:masterClrMapping/>
+  </p:clrMapOvr>
+</p:sld>
+</file>
+
+<file path=ppt/slides/slide15.xml><?xml version="1.0" encoding="utf-8"?>
+<p:sld xmlns:a="http://schemas.openxmlformats.org/drawingml/2006/main" xmlns:r="http://schemas.openxmlformats.org/officeDocument/2006/relationships" xmlns:p="http://schemas.openxmlformats.org/presentationml/2006/main">
+  <p:cSld>
+    <p:spTree>
+      <p:nvGrpSpPr>
+        <p:cNvPr id="1" name=""/>
+        <p:cNvGrpSpPr/>
+        <p:nvPr/>
+      </p:nvGrpSpPr>
+      <p:grpSpPr>
+        <a:xfrm>
+          <a:off x="0" y="0"/>
+          <a:ext cx="0" cy="0"/>
+          <a:chOff x="0" y="0"/>
+          <a:chExt cx="0" cy="0"/>
+        </a:xfrm>
+      </p:grpSpPr>
+      <p:sp>
+        <p:nvSpPr>
+          <p:cNvPr id="2" name="Title 1">
+            <a:extLst>
+              <a:ext uri="{FF2B5EF4-FFF2-40B4-BE49-F238E27FC236}">
+                <a16:creationId xmlns:a16="http://schemas.microsoft.com/office/drawing/2014/main" id="{EF73907A-1CA0-4A6E-8AB1-FF3FB61EF20F}"/>
+              </a:ext>
+            </a:extLst>
+          </p:cNvPr>
+          <p:cNvSpPr>
+            <a:spLocks noGrp="1"/>
+          </p:cNvSpPr>
+          <p:nvPr>
+            <p:ph type="title"/>
+          </p:nvPr>
+        </p:nvSpPr>
+        <p:spPr/>
+        <p:txBody>
+          <a:bodyPr/>
+          <a:lstStyle/>
+          <a:p>
+            <a:endParaRPr lang="en-US"/>
+          </a:p>
+        </p:txBody>
+      </p:sp>
+      <p:sp>
+        <p:nvSpPr>
+          <p:cNvPr id="3" name="Content Placeholder 2">
+            <a:extLst>
+              <a:ext uri="{FF2B5EF4-FFF2-40B4-BE49-F238E27FC236}">
+                <a16:creationId xmlns:a16="http://schemas.microsoft.com/office/drawing/2014/main" id="{5CBFC411-D1E3-44DF-8EAE-3BBAEF218EC6}"/>
+              </a:ext>
+            </a:extLst>
+          </p:cNvPr>
+          <p:cNvSpPr>
+            <a:spLocks noGrp="1"/>
+          </p:cNvSpPr>
+          <p:nvPr>
+            <p:ph idx="1"/>
+          </p:nvPr>
+        </p:nvSpPr>
+        <p:spPr/>
+        <p:txBody>
+          <a:bodyPr/>
+          <a:lstStyle/>
+          <a:p>
+            <a:endParaRPr lang="en-US"/>
+          </a:p>
+        </p:txBody>
+      </p:sp>
+      <p:pic>
+        <p:nvPicPr>
+          <p:cNvPr id="4" name="Picture 3">
+            <a:extLst>
+              <a:ext uri="{FF2B5EF4-FFF2-40B4-BE49-F238E27FC236}">
+                <a16:creationId xmlns:a16="http://schemas.microsoft.com/office/drawing/2014/main" id="{690C57B8-5F29-4ED3-BF89-4F32AFB9FFF8}"/>
+              </a:ext>
+            </a:extLst>
+          </p:cNvPr>
+          <p:cNvPicPr>
+            <a:picLocks noChangeAspect="1"/>
+          </p:cNvPicPr>
+          <p:nvPr/>
+        </p:nvPicPr>
+        <p:blipFill>
+          <a:blip r:embed="rId2"/>
+          <a:stretch>
+            <a:fillRect/>
+          </a:stretch>
+        </p:blipFill>
+        <p:spPr>
+          <a:xfrm>
+            <a:off x="428016" y="2437116"/>
+            <a:ext cx="12305489" cy="15788913"/>
+          </a:xfrm>
+          <a:prstGeom prst="rect">
+            <a:avLst/>
+          </a:prstGeom>
+        </p:spPr>
+      </p:pic>
+    </p:spTree>
+    <p:extLst>
+      <p:ext uri="{BB962C8B-B14F-4D97-AF65-F5344CB8AC3E}">
+        <p14:creationId xmlns:p14="http://schemas.microsoft.com/office/powerpoint/2010/main" val="3786379017"/>
       </p:ext>
     </p:extLst>
   </p:cSld>

--- a/Tutorials/MainTutorial.pptx
+++ b/Tutorials/MainTutorial.pptx
@@ -14,12 +14,17 @@
     <p:sldId id="262" r:id="rId8"/>
     <p:sldId id="263" r:id="rId9"/>
     <p:sldId id="264" r:id="rId10"/>
-    <p:sldId id="265" r:id="rId11"/>
-    <p:sldId id="266" r:id="rId12"/>
-    <p:sldId id="267" r:id="rId13"/>
-    <p:sldId id="269" r:id="rId14"/>
-    <p:sldId id="268" r:id="rId15"/>
-    <p:sldId id="270" r:id="rId16"/>
+    <p:sldId id="274" r:id="rId11"/>
+    <p:sldId id="275" r:id="rId12"/>
+    <p:sldId id="265" r:id="rId13"/>
+    <p:sldId id="271" r:id="rId14"/>
+    <p:sldId id="272" r:id="rId15"/>
+    <p:sldId id="266" r:id="rId16"/>
+    <p:sldId id="267" r:id="rId17"/>
+    <p:sldId id="268" r:id="rId18"/>
+    <p:sldId id="273" r:id="rId19"/>
+    <p:sldId id="276" r:id="rId20"/>
+    <p:sldId id="277" r:id="rId21"/>
   </p:sldIdLst>
   <p:sldSz cx="12192000" cy="6858000"/>
   <p:notesSz cx="6858000" cy="9144000"/>
@@ -3445,7 +3450,7 @@
           <p:cNvPr id="2" name="Title 1">
             <a:extLst>
               <a:ext uri="{FF2B5EF4-FFF2-40B4-BE49-F238E27FC236}">
-                <a16:creationId xmlns:a16="http://schemas.microsoft.com/office/drawing/2014/main" id="{79C41D5D-AE8D-416C-9459-AF28BC2D0FFA}"/>
+                <a16:creationId xmlns:a16="http://schemas.microsoft.com/office/drawing/2014/main" id="{EC8A9CE2-1E41-4760-8726-CB43B18A906A}"/>
               </a:ext>
             </a:extLst>
           </p:cNvPr>
@@ -3462,10 +3467,16 @@
           <a:lstStyle/>
           <a:p>
             <a:r>
-              <a:rPr lang="en-US" dirty="0" err="1"/>
-              <a:t>Braiiiins</a:t>
-            </a:r>
-            <a:endParaRPr lang="en-US" dirty="0"/>
+              <a:rPr lang="en-US" dirty="0"/>
+              <a:t>Make sure we have the dependencies</a:t>
+            </a:r>
+            <a:br>
+              <a:rPr lang="en-US" dirty="0"/>
+            </a:br>
+            <a:r>
+              <a:rPr lang="en-US" dirty="0"/>
+              <a:t>Here is a big line</a:t>
+            </a:r>
           </a:p>
         </p:txBody>
       </p:sp>
@@ -3474,7 +3485,7 @@
           <p:cNvPr id="3" name="Content Placeholder 2">
             <a:extLst>
               <a:ext uri="{FF2B5EF4-FFF2-40B4-BE49-F238E27FC236}">
-                <a16:creationId xmlns:a16="http://schemas.microsoft.com/office/drawing/2014/main" id="{72E22825-1BAE-4C4C-8922-8555A60AD5FD}"/>
+                <a16:creationId xmlns:a16="http://schemas.microsoft.com/office/drawing/2014/main" id="{E9F00A17-B8AB-4969-947E-0A152084FFB6}"/>
               </a:ext>
             </a:extLst>
           </p:cNvPr>
@@ -3485,26 +3496,331 @@
             <p:ph idx="1"/>
           </p:nvPr>
         </p:nvSpPr>
-        <p:spPr/>
-        <p:txBody>
-          <a:bodyPr/>
-          <a:lstStyle/>
-          <a:p>
-            <a:r>
-              <a:rPr lang="en-US" dirty="0"/>
-              <a:t>ROS=Robot Operating System</a:t>
-            </a:r>
-          </a:p>
-          <a:p>
-            <a:r>
-              <a:rPr lang="en-US" dirty="0"/>
-              <a:t>ROS is the brains of a robot</a:t>
-            </a:r>
-          </a:p>
-          <a:p>
-            <a:r>
-              <a:rPr lang="en-US" dirty="0"/>
-              <a:t>Not so much the physical equivalent but more of the robots ability to think</a:t>
+        <p:spPr>
+          <a:xfrm>
+            <a:off x="838199" y="1825625"/>
+            <a:ext cx="10515601" cy="4351338"/>
+          </a:xfrm>
+        </p:spPr>
+        <p:txBody>
+          <a:bodyPr/>
+          <a:lstStyle/>
+          <a:p>
+            <a:r>
+              <a:rPr lang="en-US" dirty="0"/>
+              <a:t>$</a:t>
+            </a:r>
+            <a:r>
+              <a:rPr lang="en-US" dirty="0" err="1"/>
+              <a:t>sudo</a:t>
+            </a:r>
+            <a:r>
+              <a:rPr lang="en-US" dirty="0"/>
+              <a:t> apt-get install </a:t>
+            </a:r>
+            <a:r>
+              <a:rPr lang="en-US" dirty="0" err="1"/>
+              <a:t>ros</a:t>
+            </a:r>
+            <a:r>
+              <a:rPr lang="en-US" dirty="0"/>
+              <a:t>-kinetic-joy </a:t>
+            </a:r>
+            <a:r>
+              <a:rPr lang="en-US" dirty="0" err="1"/>
+              <a:t>ros</a:t>
+            </a:r>
+            <a:r>
+              <a:rPr lang="en-US" dirty="0"/>
+              <a:t>-kinetic-</a:t>
+            </a:r>
+            <a:r>
+              <a:rPr lang="en-US" dirty="0" err="1"/>
+              <a:t>teleop</a:t>
+            </a:r>
+            <a:r>
+              <a:rPr lang="en-US" dirty="0"/>
+              <a:t>-twist-joy </a:t>
+            </a:r>
+            <a:r>
+              <a:rPr lang="en-US" dirty="0" err="1"/>
+              <a:t>ros</a:t>
+            </a:r>
+            <a:r>
+              <a:rPr lang="en-US" dirty="0"/>
+              <a:t>-kinetic-</a:t>
+            </a:r>
+            <a:r>
+              <a:rPr lang="en-US" dirty="0" err="1"/>
+              <a:t>teleop</a:t>
+            </a:r>
+            <a:r>
+              <a:rPr lang="en-US" dirty="0"/>
+              <a:t>-twist-keyboard </a:t>
+            </a:r>
+            <a:r>
+              <a:rPr lang="en-US" dirty="0" err="1"/>
+              <a:t>ros</a:t>
+            </a:r>
+            <a:r>
+              <a:rPr lang="en-US" dirty="0"/>
+              <a:t>-kinetic-laser-proc </a:t>
+            </a:r>
+            <a:r>
+              <a:rPr lang="en-US" dirty="0" err="1"/>
+              <a:t>ros</a:t>
+            </a:r>
+            <a:r>
+              <a:rPr lang="en-US" dirty="0"/>
+              <a:t>-kinetic-</a:t>
+            </a:r>
+            <a:r>
+              <a:rPr lang="en-US" dirty="0" err="1"/>
+              <a:t>rgbd</a:t>
+            </a:r>
+            <a:r>
+              <a:rPr lang="en-US" dirty="0"/>
+              <a:t>-launch </a:t>
+            </a:r>
+            <a:r>
+              <a:rPr lang="en-US" dirty="0" err="1"/>
+              <a:t>ros</a:t>
+            </a:r>
+            <a:r>
+              <a:rPr lang="en-US" dirty="0"/>
+              <a:t>-kinetic-</a:t>
+            </a:r>
+            <a:r>
+              <a:rPr lang="en-US" dirty="0" err="1"/>
+              <a:t>depthimage</a:t>
+            </a:r>
+            <a:r>
+              <a:rPr lang="en-US" dirty="0"/>
+              <a:t>-to-</a:t>
+            </a:r>
+            <a:r>
+              <a:rPr lang="en-US" dirty="0" err="1"/>
+              <a:t>laserscan</a:t>
+            </a:r>
+            <a:r>
+              <a:rPr lang="en-US" dirty="0"/>
+              <a:t> </a:t>
+            </a:r>
+            <a:r>
+              <a:rPr lang="en-US" dirty="0" err="1"/>
+              <a:t>ros</a:t>
+            </a:r>
+            <a:r>
+              <a:rPr lang="en-US" dirty="0"/>
+              <a:t>-kinetic-</a:t>
+            </a:r>
+            <a:r>
+              <a:rPr lang="en-US" dirty="0" err="1"/>
+              <a:t>rosserial</a:t>
+            </a:r>
+            <a:r>
+              <a:rPr lang="en-US" dirty="0"/>
+              <a:t>-</a:t>
+            </a:r>
+            <a:r>
+              <a:rPr lang="en-US" dirty="0" err="1"/>
+              <a:t>arduino</a:t>
+            </a:r>
+            <a:r>
+              <a:rPr lang="en-US" dirty="0"/>
+              <a:t> </a:t>
+            </a:r>
+            <a:r>
+              <a:rPr lang="en-US" dirty="0" err="1"/>
+              <a:t>ros</a:t>
+            </a:r>
+            <a:r>
+              <a:rPr lang="en-US" dirty="0"/>
+              <a:t>-kinetic-</a:t>
+            </a:r>
+            <a:r>
+              <a:rPr lang="en-US" dirty="0" err="1"/>
+              <a:t>rosserial</a:t>
+            </a:r>
+            <a:r>
+              <a:rPr lang="en-US" dirty="0"/>
+              <a:t>-python </a:t>
+            </a:r>
+            <a:r>
+              <a:rPr lang="en-US" dirty="0" err="1"/>
+              <a:t>ros</a:t>
+            </a:r>
+            <a:r>
+              <a:rPr lang="en-US" dirty="0"/>
+              <a:t>-kinetic-</a:t>
+            </a:r>
+            <a:r>
+              <a:rPr lang="en-US" dirty="0" err="1"/>
+              <a:t>rosserial</a:t>
+            </a:r>
+            <a:r>
+              <a:rPr lang="en-US" dirty="0"/>
+              <a:t>-server </a:t>
+            </a:r>
+            <a:r>
+              <a:rPr lang="en-US" dirty="0" err="1"/>
+              <a:t>ros</a:t>
+            </a:r>
+            <a:r>
+              <a:rPr lang="en-US" dirty="0"/>
+              <a:t>-kinetic-</a:t>
+            </a:r>
+            <a:r>
+              <a:rPr lang="en-US" dirty="0" err="1"/>
+              <a:t>rosserial</a:t>
+            </a:r>
+            <a:r>
+              <a:rPr lang="en-US" dirty="0"/>
+              <a:t>-client </a:t>
+            </a:r>
+            <a:r>
+              <a:rPr lang="en-US" dirty="0" err="1"/>
+              <a:t>ros</a:t>
+            </a:r>
+            <a:r>
+              <a:rPr lang="en-US" dirty="0"/>
+              <a:t>-kinetic-</a:t>
+            </a:r>
+            <a:r>
+              <a:rPr lang="en-US" dirty="0" err="1"/>
+              <a:t>rosserial</a:t>
+            </a:r>
+            <a:r>
+              <a:rPr lang="en-US" dirty="0"/>
+              <a:t>-</a:t>
+            </a:r>
+            <a:r>
+              <a:rPr lang="en-US" dirty="0" err="1"/>
+              <a:t>msgs</a:t>
+            </a:r>
+            <a:r>
+              <a:rPr lang="en-US" dirty="0"/>
+              <a:t> </a:t>
+            </a:r>
+            <a:r>
+              <a:rPr lang="en-US" dirty="0" err="1"/>
+              <a:t>ros</a:t>
+            </a:r>
+            <a:r>
+              <a:rPr lang="en-US" dirty="0"/>
+              <a:t>-kinetic-</a:t>
+            </a:r>
+            <a:r>
+              <a:rPr lang="en-US" dirty="0" err="1"/>
+              <a:t>amcl</a:t>
+            </a:r>
+            <a:r>
+              <a:rPr lang="en-US" dirty="0"/>
+              <a:t> </a:t>
+            </a:r>
+            <a:r>
+              <a:rPr lang="en-US" dirty="0" err="1"/>
+              <a:t>ros</a:t>
+            </a:r>
+            <a:r>
+              <a:rPr lang="en-US" dirty="0"/>
+              <a:t>-kinetic-map-server </a:t>
+            </a:r>
+            <a:r>
+              <a:rPr lang="en-US" dirty="0" err="1"/>
+              <a:t>ros</a:t>
+            </a:r>
+            <a:r>
+              <a:rPr lang="en-US" dirty="0"/>
+              <a:t>-kinetic-move-base </a:t>
+            </a:r>
+            <a:r>
+              <a:rPr lang="en-US" dirty="0" err="1"/>
+              <a:t>ros</a:t>
+            </a:r>
+            <a:r>
+              <a:rPr lang="en-US" dirty="0"/>
+              <a:t>-kinetic-</a:t>
+            </a:r>
+            <a:r>
+              <a:rPr lang="en-US" dirty="0" err="1"/>
+              <a:t>urdf</a:t>
+            </a:r>
+            <a:r>
+              <a:rPr lang="en-US" dirty="0"/>
+              <a:t> </a:t>
+            </a:r>
+            <a:r>
+              <a:rPr lang="en-US" dirty="0" err="1"/>
+              <a:t>ros</a:t>
+            </a:r>
+            <a:r>
+              <a:rPr lang="en-US" dirty="0"/>
+              <a:t>-kinetic-</a:t>
+            </a:r>
+            <a:r>
+              <a:rPr lang="en-US" dirty="0" err="1"/>
+              <a:t>xacro</a:t>
+            </a:r>
+            <a:r>
+              <a:rPr lang="en-US" dirty="0"/>
+              <a:t> </a:t>
+            </a:r>
+            <a:r>
+              <a:rPr lang="en-US" dirty="0" err="1"/>
+              <a:t>ros</a:t>
+            </a:r>
+            <a:r>
+              <a:rPr lang="en-US" dirty="0"/>
+              <a:t>-kinetic-compressed-image-transport </a:t>
+            </a:r>
+            <a:r>
+              <a:rPr lang="en-US" dirty="0" err="1"/>
+              <a:t>ros</a:t>
+            </a:r>
+            <a:r>
+              <a:rPr lang="en-US" dirty="0"/>
+              <a:t>-kinetic-</a:t>
+            </a:r>
+            <a:r>
+              <a:rPr lang="en-US" dirty="0" err="1"/>
+              <a:t>rqt</a:t>
+            </a:r>
+            <a:r>
+              <a:rPr lang="en-US" dirty="0"/>
+              <a:t>-image-view </a:t>
+            </a:r>
+            <a:r>
+              <a:rPr lang="en-US" dirty="0" err="1"/>
+              <a:t>ros</a:t>
+            </a:r>
+            <a:r>
+              <a:rPr lang="en-US" dirty="0"/>
+              <a:t>-kinetic-</a:t>
+            </a:r>
+            <a:r>
+              <a:rPr lang="en-US" dirty="0" err="1"/>
+              <a:t>gmapping</a:t>
+            </a:r>
+            <a:r>
+              <a:rPr lang="en-US" dirty="0"/>
+              <a:t> </a:t>
+            </a:r>
+            <a:r>
+              <a:rPr lang="en-US" dirty="0" err="1"/>
+              <a:t>ros</a:t>
+            </a:r>
+            <a:r>
+              <a:rPr lang="en-US" dirty="0"/>
+              <a:t>-kinetic-navigation </a:t>
+            </a:r>
+            <a:r>
+              <a:rPr lang="en-US" dirty="0" err="1"/>
+              <a:t>ros</a:t>
+            </a:r>
+            <a:r>
+              <a:rPr lang="en-US" dirty="0"/>
+              <a:t>-kinetic-interactive-markers</a:t>
             </a:r>
           </a:p>
         </p:txBody>
@@ -3512,7 +3828,7 @@
     </p:spTree>
     <p:extLst>
       <p:ext uri="{BB962C8B-B14F-4D97-AF65-F5344CB8AC3E}">
-        <p14:creationId xmlns:p14="http://schemas.microsoft.com/office/powerpoint/2010/main" val="2254976920"/>
+        <p14:creationId xmlns:p14="http://schemas.microsoft.com/office/powerpoint/2010/main" val="2892561954"/>
       </p:ext>
     </p:extLst>
   </p:cSld>
@@ -3544,7 +3860,7 @@
           <p:cNvPr id="2" name="Title 1">
             <a:extLst>
               <a:ext uri="{FF2B5EF4-FFF2-40B4-BE49-F238E27FC236}">
-                <a16:creationId xmlns:a16="http://schemas.microsoft.com/office/drawing/2014/main" id="{03E7D0F8-55CA-4997-9451-8D0BBE408FA4}"/>
+                <a16:creationId xmlns:a16="http://schemas.microsoft.com/office/drawing/2014/main" id="{A44A0E9F-6205-453E-A7FE-A619C142EB71}"/>
               </a:ext>
             </a:extLst>
           </p:cNvPr>
@@ -3562,7 +3878,7 @@
           <a:p>
             <a:r>
               <a:rPr lang="en-US" dirty="0"/>
-              <a:t>World Builder</a:t>
+              <a:t>Last step for ROS</a:t>
             </a:r>
           </a:p>
         </p:txBody>
@@ -3572,7 +3888,7 @@
           <p:cNvPr id="3" name="Content Placeholder 2">
             <a:extLst>
               <a:ext uri="{FF2B5EF4-FFF2-40B4-BE49-F238E27FC236}">
-                <a16:creationId xmlns:a16="http://schemas.microsoft.com/office/drawing/2014/main" id="{605AB148-B461-4516-A169-F2EA404B37F2}"/>
+                <a16:creationId xmlns:a16="http://schemas.microsoft.com/office/drawing/2014/main" id="{C84717D5-31B8-4F77-B229-01B42FF1FFE0}"/>
               </a:ext>
             </a:extLst>
           </p:cNvPr>
@@ -3583,29 +3899,10 @@
             <p:ph idx="1"/>
           </p:nvPr>
         </p:nvSpPr>
-        <p:spPr>
-          <a:xfrm>
-            <a:off x="7583214" y="1079938"/>
-            <a:ext cx="3770586" cy="5097025"/>
-          </a:xfrm>
-        </p:spPr>
-        <p:txBody>
-          <a:bodyPr>
-            <a:normAutofit lnSpcReduction="10000"/>
-          </a:bodyPr>
-          <a:lstStyle/>
-          <a:p>
-            <a:r>
-              <a:rPr lang="en-US" dirty="0"/>
-              <a:t>Now that we have our robot brains we need a world for it to explore</a:t>
-            </a:r>
-          </a:p>
-          <a:p>
-            <a:r>
-              <a:rPr lang="en-US" dirty="0"/>
-              <a:t>We get this with gazebo</a:t>
-            </a:r>
-          </a:p>
+        <p:spPr/>
+        <p:txBody>
+          <a:bodyPr/>
+          <a:lstStyle/>
           <a:p>
             <a:r>
               <a:rPr lang="en-US" dirty="0"/>
@@ -3625,19 +3922,25 @@
             </a:r>
             <a:r>
               <a:rPr lang="en-US" dirty="0"/>
-              <a:t>/</a:t>
-            </a:r>
-          </a:p>
-          <a:p>
-            <a:r>
-              <a:rPr lang="en-US" dirty="0"/>
-              <a:t>    $ git clone https://github.com/ROBOTIS-GIT/turtlebot3_simulations.git</a:t>
-            </a:r>
-          </a:p>
-          <a:p>
-            <a:r>
-              <a:rPr lang="en-US" dirty="0"/>
-              <a:t>    $ cd ~/</a:t>
+              <a:t>/ </a:t>
+            </a:r>
+          </a:p>
+          <a:p>
+            <a:r>
+              <a:rPr lang="en-US" dirty="0"/>
+              <a:t>$ git clone https://github.com/ROBOTIS-GIT/turtlebot3_msgs.git </a:t>
+            </a:r>
+          </a:p>
+          <a:p>
+            <a:r>
+              <a:rPr lang="en-US" dirty="0"/>
+              <a:t>$ git clone https://github.com/ROBOTIS-GIT/turtlebot3.git </a:t>
+            </a:r>
+          </a:p>
+          <a:p>
+            <a:r>
+              <a:rPr lang="en-US" dirty="0"/>
+              <a:t>$ cd ~/</a:t>
             </a:r>
             <a:r>
               <a:rPr lang="en-US" dirty="0" err="1"/>
@@ -3655,40 +3958,10 @@
           </a:p>
         </p:txBody>
       </p:sp>
-      <p:pic>
-        <p:nvPicPr>
-          <p:cNvPr id="4" name="Picture 3">
-            <a:extLst>
-              <a:ext uri="{FF2B5EF4-FFF2-40B4-BE49-F238E27FC236}">
-                <a16:creationId xmlns:a16="http://schemas.microsoft.com/office/drawing/2014/main" id="{3300B8F4-5AF4-4CBA-9177-83E288E47C9E}"/>
-              </a:ext>
-            </a:extLst>
-          </p:cNvPr>
-          <p:cNvPicPr>
-            <a:picLocks noChangeAspect="1"/>
-          </p:cNvPicPr>
-          <p:nvPr/>
-        </p:nvPicPr>
-        <p:blipFill>
-          <a:blip r:embed="rId2"/>
-          <a:stretch>
-            <a:fillRect/>
-          </a:stretch>
-        </p:blipFill>
-        <p:spPr>
-          <a:xfrm>
-            <a:off x="363787" y="1422348"/>
-            <a:ext cx="6104149" cy="5243014"/>
-          </a:xfrm>
-          <a:prstGeom prst="rect">
-            <a:avLst/>
-          </a:prstGeom>
-        </p:spPr>
-      </p:pic>
     </p:spTree>
     <p:extLst>
       <p:ext uri="{BB962C8B-B14F-4D97-AF65-F5344CB8AC3E}">
-        <p14:creationId xmlns:p14="http://schemas.microsoft.com/office/powerpoint/2010/main" val="1127936623"/>
+        <p14:creationId xmlns:p14="http://schemas.microsoft.com/office/powerpoint/2010/main" val="1490398751"/>
       </p:ext>
     </p:extLst>
   </p:cSld>
@@ -3720,7 +3993,7 @@
           <p:cNvPr id="2" name="Title 1">
             <a:extLst>
               <a:ext uri="{FF2B5EF4-FFF2-40B4-BE49-F238E27FC236}">
-                <a16:creationId xmlns:a16="http://schemas.microsoft.com/office/drawing/2014/main" id="{84DBC518-4D70-4C4A-962F-74652B28C183}"/>
+                <a16:creationId xmlns:a16="http://schemas.microsoft.com/office/drawing/2014/main" id="{79C41D5D-AE8D-416C-9459-AF28BC2D0FFA}"/>
               </a:ext>
             </a:extLst>
           </p:cNvPr>
@@ -3737,9 +4010,10 @@
           <a:lstStyle/>
           <a:p>
             <a:r>
-              <a:rPr lang="en-US" dirty="0"/>
-              <a:t>Bit more to do</a:t>
-            </a:r>
+              <a:rPr lang="en-US" dirty="0" err="1"/>
+              <a:t>Braiiiins</a:t>
+            </a:r>
+            <a:endParaRPr lang="en-US" dirty="0"/>
           </a:p>
         </p:txBody>
       </p:sp>
@@ -3748,7 +4022,7 @@
           <p:cNvPr id="3" name="Content Placeholder 2">
             <a:extLst>
               <a:ext uri="{FF2B5EF4-FFF2-40B4-BE49-F238E27FC236}">
-                <a16:creationId xmlns:a16="http://schemas.microsoft.com/office/drawing/2014/main" id="{A00F6AEC-B55C-4C80-8A25-7F4A4CDDF957}"/>
+                <a16:creationId xmlns:a16="http://schemas.microsoft.com/office/drawing/2014/main" id="{72E22825-1BAE-4C4C-8922-8555A60AD5FD}"/>
               </a:ext>
             </a:extLst>
           </p:cNvPr>
@@ -3759,93 +4033,34 @@
             <p:ph idx="1"/>
           </p:nvPr>
         </p:nvSpPr>
-        <p:spPr>
-          <a:xfrm>
-            <a:off x="6676699" y="1825625"/>
-            <a:ext cx="5378669" cy="4351338"/>
-          </a:xfrm>
-        </p:spPr>
-        <p:txBody>
-          <a:bodyPr/>
-          <a:lstStyle/>
-          <a:p>
-            <a:r>
-              <a:rPr lang="en-US" dirty="0"/>
-              <a:t>Now that we have gazebo, we need to do a bit of configuration editing</a:t>
-            </a:r>
-          </a:p>
-          <a:p>
-            <a:r>
-              <a:rPr lang="en-US" dirty="0"/>
-              <a:t>nano ~/.</a:t>
-            </a:r>
-            <a:r>
-              <a:rPr lang="en-US" dirty="0" err="1"/>
-              <a:t>bashrc</a:t>
-            </a:r>
-            <a:endParaRPr lang="en-US" dirty="0"/>
-          </a:p>
-          <a:p>
-            <a:r>
-              <a:rPr lang="en-US" dirty="0"/>
-              <a:t>add to bottom of file</a:t>
-            </a:r>
-            <a:br>
-              <a:rPr lang="en-US" dirty="0"/>
-            </a:br>
-            <a:r>
-              <a:rPr lang="en-US" dirty="0"/>
-              <a:t>export TURTLEBOT3_MODEL=waffle</a:t>
-            </a:r>
-          </a:p>
-          <a:p>
-            <a:r>
-              <a:rPr lang="en-US" dirty="0"/>
-              <a:t>Ctrl x</a:t>
-            </a:r>
-          </a:p>
-          <a:p>
-            <a:r>
-              <a:rPr lang="en-US" dirty="0"/>
-              <a:t>Y, enter/return to save</a:t>
-            </a:r>
-          </a:p>
-        </p:txBody>
-      </p:sp>
-      <p:pic>
-        <p:nvPicPr>
-          <p:cNvPr id="4" name="Picture 3">
-            <a:extLst>
-              <a:ext uri="{FF2B5EF4-FFF2-40B4-BE49-F238E27FC236}">
-                <a16:creationId xmlns:a16="http://schemas.microsoft.com/office/drawing/2014/main" id="{A6E08632-8211-4CE5-B5B7-3F9DA042DD71}"/>
-              </a:ext>
-            </a:extLst>
-          </p:cNvPr>
-          <p:cNvPicPr>
-            <a:picLocks noChangeAspect="1"/>
-          </p:cNvPicPr>
-          <p:nvPr/>
-        </p:nvPicPr>
-        <p:blipFill>
-          <a:blip r:embed="rId2"/>
-          <a:stretch>
-            <a:fillRect/>
-          </a:stretch>
-        </p:blipFill>
-        <p:spPr>
-          <a:xfrm>
-            <a:off x="289032" y="1372166"/>
-            <a:ext cx="6111770" cy="5258256"/>
-          </a:xfrm>
-          <a:prstGeom prst="rect">
-            <a:avLst/>
-          </a:prstGeom>
-        </p:spPr>
-      </p:pic>
+        <p:spPr/>
+        <p:txBody>
+          <a:bodyPr/>
+          <a:lstStyle/>
+          <a:p>
+            <a:r>
+              <a:rPr lang="en-US" dirty="0"/>
+              <a:t>ROS=Robot Operating System</a:t>
+            </a:r>
+          </a:p>
+          <a:p>
+            <a:r>
+              <a:rPr lang="en-US" dirty="0"/>
+              <a:t>ROS is the brains of a robot</a:t>
+            </a:r>
+          </a:p>
+          <a:p>
+            <a:r>
+              <a:rPr lang="en-US" dirty="0"/>
+              <a:t>Not so much the physical equivalent but more of the robots ability to think</a:t>
+            </a:r>
+          </a:p>
+        </p:txBody>
+      </p:sp>
     </p:spTree>
     <p:extLst>
       <p:ext uri="{BB962C8B-B14F-4D97-AF65-F5344CB8AC3E}">
-        <p14:creationId xmlns:p14="http://schemas.microsoft.com/office/powerpoint/2010/main" val="1578227982"/>
+        <p14:creationId xmlns:p14="http://schemas.microsoft.com/office/powerpoint/2010/main" val="2254976920"/>
       </p:ext>
     </p:extLst>
   </p:cSld>
@@ -3877,7 +4092,7 @@
           <p:cNvPr id="2" name="Title 1">
             <a:extLst>
               <a:ext uri="{FF2B5EF4-FFF2-40B4-BE49-F238E27FC236}">
-                <a16:creationId xmlns:a16="http://schemas.microsoft.com/office/drawing/2014/main" id="{9306A273-8F84-4C38-90FB-354293C4E796}"/>
+                <a16:creationId xmlns:a16="http://schemas.microsoft.com/office/drawing/2014/main" id="{59A34A80-EAF9-4952-8552-9F0C374F4AF8}"/>
               </a:ext>
             </a:extLst>
           </p:cNvPr>
@@ -3895,13 +4110,8 @@
           <a:p>
             <a:r>
               <a:rPr lang="en-US" dirty="0"/>
-              <a:t>Missing </a:t>
-            </a:r>
-            <a:r>
-              <a:rPr lang="en-US" dirty="0" err="1"/>
-              <a:t>depenencies</a:t>
-            </a:r>
-            <a:endParaRPr lang="en-US" dirty="0"/>
+              <a:t>Common Errors</a:t>
+            </a:r>
           </a:p>
         </p:txBody>
       </p:sp>
@@ -3910,7 +4120,7 @@
           <p:cNvPr id="3" name="Content Placeholder 2">
             <a:extLst>
               <a:ext uri="{FF2B5EF4-FFF2-40B4-BE49-F238E27FC236}">
-                <a16:creationId xmlns:a16="http://schemas.microsoft.com/office/drawing/2014/main" id="{2B6DED53-4D26-44FD-9409-736C31F2540A}"/>
+                <a16:creationId xmlns:a16="http://schemas.microsoft.com/office/drawing/2014/main" id="{379989F9-4263-4B4E-A6DC-0621DA588008}"/>
               </a:ext>
             </a:extLst>
           </p:cNvPr>
@@ -3923,72 +4133,222 @@
         </p:nvSpPr>
         <p:spPr>
           <a:xfrm>
-            <a:off x="6096000" y="1825625"/>
-            <a:ext cx="5257800" cy="4351338"/>
+            <a:off x="4882244" y="1825625"/>
+            <a:ext cx="6471556" cy="4351338"/>
           </a:xfrm>
         </p:spPr>
         <p:txBody>
-          <a:bodyPr/>
-          <a:lstStyle/>
-          <a:p>
-            <a:r>
-              <a:rPr lang="en-US" dirty="0"/>
-              <a:t>To get some packages needed to launch lets install some packages</a:t>
-            </a:r>
-          </a:p>
-          <a:p>
-            <a:r>
-              <a:rPr lang="en-US" dirty="0"/>
-              <a:t>$ </a:t>
-            </a:r>
-            <a:r>
-              <a:rPr lang="en-US" dirty="0" err="1"/>
-              <a:t>sudo</a:t>
-            </a:r>
-            <a:r>
-              <a:rPr lang="en-US" dirty="0"/>
-              <a:t> apt install python-catkin-pkg</a:t>
-            </a:r>
-          </a:p>
-          <a:p>
-            <a:r>
-              <a:rPr lang="en-US" dirty="0"/>
-              <a:t>$ </a:t>
-            </a:r>
-            <a:r>
-              <a:rPr lang="en-US" dirty="0" err="1"/>
-              <a:t>sudo</a:t>
-            </a:r>
-            <a:r>
-              <a:rPr lang="en-US" dirty="0"/>
-              <a:t> apt install catkin</a:t>
-            </a:r>
-          </a:p>
-          <a:p>
-            <a:r>
-              <a:rPr lang="en-US" dirty="0"/>
-              <a:t>$ </a:t>
-            </a:r>
-            <a:r>
-              <a:rPr lang="en-US" dirty="0" err="1"/>
-              <a:t>sudo</a:t>
-            </a:r>
-            <a:r>
-              <a:rPr lang="en-US" dirty="0"/>
-              <a:t> apt install python-</a:t>
-            </a:r>
-            <a:r>
-              <a:rPr lang="en-US" dirty="0" err="1"/>
-              <a:t>roslib</a:t>
+          <a:bodyPr>
+            <a:normAutofit fontScale="92500" lnSpcReduction="10000"/>
+          </a:bodyPr>
+          <a:lstStyle/>
+          <a:p>
+            <a:r>
+              <a:rPr lang="en-US" dirty="0"/>
+              <a:t>A common error I ran into was that my the commands I was running couldn’t find the dependencies they relied on.</a:t>
+            </a:r>
+          </a:p>
+          <a:p>
+            <a:r>
+              <a:rPr lang="en-US" dirty="0"/>
+              <a:t>To fix this:</a:t>
+            </a:r>
+          </a:p>
+          <a:p>
+            <a:r>
+              <a:rPr lang="en-US" dirty="0"/>
+              <a:t>$ nano ~/.</a:t>
+            </a:r>
+            <a:r>
+              <a:rPr lang="en-US" dirty="0" err="1"/>
+              <a:t>bashrc</a:t>
             </a:r>
             <a:endParaRPr lang="en-US" dirty="0"/>
+          </a:p>
+          <a:p>
+            <a:r>
+              <a:rPr lang="en-US" dirty="0"/>
+              <a:t>At the bottom add</a:t>
+            </a:r>
+            <a:br>
+              <a:rPr lang="en-US" dirty="0"/>
+            </a:br>
+            <a:r>
+              <a:rPr lang="en-US" dirty="0"/>
+              <a:t>export ROS_PACKAGE_PATH=/home/</a:t>
+            </a:r>
+            <a:r>
+              <a:rPr lang="en-US" dirty="0" err="1"/>
+              <a:t>findjohnconner</a:t>
+            </a:r>
+            <a:r>
+              <a:rPr lang="en-US" dirty="0"/>
+              <a:t>/</a:t>
+            </a:r>
+            <a:r>
+              <a:rPr lang="en-US" dirty="0" err="1"/>
+              <a:t>catkin_ws</a:t>
+            </a:r>
+            <a:r>
+              <a:rPr lang="en-US" dirty="0"/>
+              <a:t>:$ROS_PACKAGE_PATH</a:t>
+            </a:r>
+          </a:p>
+          <a:p>
+            <a:r>
+              <a:rPr lang="en-US" dirty="0"/>
+              <a:t>Ctrl x</a:t>
+            </a:r>
+          </a:p>
+          <a:p>
+            <a:r>
+              <a:rPr lang="en-US" dirty="0"/>
+              <a:t>Y then Enter/return</a:t>
+            </a:r>
+          </a:p>
+          <a:p>
+            <a:endParaRPr lang="en-US" dirty="0"/>
+          </a:p>
+        </p:txBody>
+      </p:sp>
+      <p:sp>
+        <p:nvSpPr>
+          <p:cNvPr id="4" name="Speech Bubble: Rectangle with Corners Rounded 3">
+            <a:extLst>
+              <a:ext uri="{FF2B5EF4-FFF2-40B4-BE49-F238E27FC236}">
+                <a16:creationId xmlns:a16="http://schemas.microsoft.com/office/drawing/2014/main" id="{4D0D48EA-F587-4F34-BC81-344259515275}"/>
+              </a:ext>
+            </a:extLst>
+          </p:cNvPr>
+          <p:cNvSpPr/>
+          <p:nvPr/>
+        </p:nvSpPr>
+        <p:spPr>
+          <a:xfrm>
+            <a:off x="9780814" y="3429000"/>
+            <a:ext cx="1796142" cy="816428"/>
+          </a:xfrm>
+          <a:prstGeom prst="wedgeRoundRectCallout">
+            <a:avLst/>
+          </a:prstGeom>
+        </p:spPr>
+        <p:style>
+          <a:lnRef idx="2">
+            <a:schemeClr val="accent1">
+              <a:shade val="50000"/>
+            </a:schemeClr>
+          </a:lnRef>
+          <a:fillRef idx="1">
+            <a:schemeClr val="accent1"/>
+          </a:fillRef>
+          <a:effectRef idx="0">
+            <a:schemeClr val="accent1"/>
+          </a:effectRef>
+          <a:fontRef idx="minor">
+            <a:schemeClr val="lt1"/>
+          </a:fontRef>
+        </p:style>
+        <p:txBody>
+          <a:bodyPr rtlCol="0" anchor="ctr"/>
+          <a:lstStyle/>
+          <a:p>
+            <a:pPr algn="ctr"/>
+            <a:r>
+              <a:rPr lang="en-US" dirty="0"/>
+              <a:t>This is your username</a:t>
+            </a:r>
+          </a:p>
+        </p:txBody>
+      </p:sp>
+      <p:pic>
+        <p:nvPicPr>
+          <p:cNvPr id="5" name="Picture 4">
+            <a:extLst>
+              <a:ext uri="{FF2B5EF4-FFF2-40B4-BE49-F238E27FC236}">
+                <a16:creationId xmlns:a16="http://schemas.microsoft.com/office/drawing/2014/main" id="{CE7C09D5-6D2D-4F72-987C-D8D1B1300290}"/>
+              </a:ext>
+            </a:extLst>
+          </p:cNvPr>
+          <p:cNvPicPr>
+            <a:picLocks noChangeAspect="1"/>
+          </p:cNvPicPr>
+          <p:nvPr/>
+        </p:nvPicPr>
+        <p:blipFill>
+          <a:blip r:embed="rId2"/>
+          <a:stretch>
+            <a:fillRect/>
+          </a:stretch>
+        </p:blipFill>
+        <p:spPr>
+          <a:xfrm>
+            <a:off x="116102" y="1992459"/>
+            <a:ext cx="4810285" cy="2873082"/>
+          </a:xfrm>
+          <a:prstGeom prst="rect">
+            <a:avLst/>
+          </a:prstGeom>
+        </p:spPr>
+      </p:pic>
+      <p:sp>
+        <p:nvSpPr>
+          <p:cNvPr id="6" name="Speech Bubble: Oval 5">
+            <a:extLst>
+              <a:ext uri="{FF2B5EF4-FFF2-40B4-BE49-F238E27FC236}">
+                <a16:creationId xmlns:a16="http://schemas.microsoft.com/office/drawing/2014/main" id="{CC0F2B1C-CD28-4617-9EB8-9EB1F9F9AADA}"/>
+              </a:ext>
+            </a:extLst>
+          </p:cNvPr>
+          <p:cNvSpPr/>
+          <p:nvPr/>
+        </p:nvSpPr>
+        <p:spPr>
+          <a:xfrm>
+            <a:off x="116102" y="4359729"/>
+            <a:ext cx="4542986" cy="195942"/>
+          </a:xfrm>
+          <a:prstGeom prst="wedgeEllipseCallout">
+            <a:avLst>
+              <a:gd name="adj1" fmla="val 57347"/>
+              <a:gd name="adj2" fmla="val -245834"/>
+            </a:avLst>
+          </a:prstGeom>
+          <a:noFill/>
+          <a:ln>
+            <a:solidFill>
+              <a:srgbClr val="00B0F0"/>
+            </a:solidFill>
+          </a:ln>
+        </p:spPr>
+        <p:style>
+          <a:lnRef idx="2">
+            <a:schemeClr val="accent1">
+              <a:shade val="50000"/>
+            </a:schemeClr>
+          </a:lnRef>
+          <a:fillRef idx="1">
+            <a:schemeClr val="accent1"/>
+          </a:fillRef>
+          <a:effectRef idx="0">
+            <a:schemeClr val="accent1"/>
+          </a:effectRef>
+          <a:fontRef idx="minor">
+            <a:schemeClr val="lt1"/>
+          </a:fontRef>
+        </p:style>
+        <p:txBody>
+          <a:bodyPr rtlCol="0" anchor="ctr"/>
+          <a:lstStyle/>
+          <a:p>
+            <a:pPr algn="ctr"/>
+            <a:endParaRPr lang="en-US"/>
           </a:p>
         </p:txBody>
       </p:sp>
     </p:spTree>
     <p:extLst>
       <p:ext uri="{BB962C8B-B14F-4D97-AF65-F5344CB8AC3E}">
-        <p14:creationId xmlns:p14="http://schemas.microsoft.com/office/powerpoint/2010/main" val="1255169136"/>
+        <p14:creationId xmlns:p14="http://schemas.microsoft.com/office/powerpoint/2010/main" val="2397398808"/>
       </p:ext>
     </p:extLst>
   </p:cSld>
@@ -4020,7 +4380,7 @@
           <p:cNvPr id="2" name="Title 1">
             <a:extLst>
               <a:ext uri="{FF2B5EF4-FFF2-40B4-BE49-F238E27FC236}">
-                <a16:creationId xmlns:a16="http://schemas.microsoft.com/office/drawing/2014/main" id="{64AB62C3-4838-4B63-B52D-CAC63E5780D0}"/>
+                <a16:creationId xmlns:a16="http://schemas.microsoft.com/office/drawing/2014/main" id="{67C4AAEB-FFCE-448F-85CC-0BF0933EB71A}"/>
               </a:ext>
             </a:extLst>
           </p:cNvPr>
@@ -4038,13 +4398,8 @@
           <a:p>
             <a:r>
               <a:rPr lang="en-US" dirty="0"/>
-              <a:t>Launch the </a:t>
-            </a:r>
-            <a:r>
-              <a:rPr lang="en-US" dirty="0" err="1"/>
-              <a:t>robo</a:t>
-            </a:r>
-            <a:endParaRPr lang="en-US" dirty="0"/>
+              <a:t>Common Errors</a:t>
+            </a:r>
           </a:p>
         </p:txBody>
       </p:sp>
@@ -4053,7 +4408,7 @@
           <p:cNvPr id="3" name="Content Placeholder 2">
             <a:extLst>
               <a:ext uri="{FF2B5EF4-FFF2-40B4-BE49-F238E27FC236}">
-                <a16:creationId xmlns:a16="http://schemas.microsoft.com/office/drawing/2014/main" id="{2485F117-4B3E-47E2-9563-A8B57D209E04}"/>
+                <a16:creationId xmlns:a16="http://schemas.microsoft.com/office/drawing/2014/main" id="{A84653C8-DA7C-4066-8B16-A3E964B90540}"/>
               </a:ext>
             </a:extLst>
           </p:cNvPr>
@@ -4066,8 +4421,8 @@
         </p:nvSpPr>
         <p:spPr>
           <a:xfrm>
-            <a:off x="6723992" y="1825625"/>
-            <a:ext cx="4629807" cy="4351338"/>
+            <a:off x="5955917" y="1862307"/>
+            <a:ext cx="6210300" cy="4351338"/>
           </a:xfrm>
         </p:spPr>
         <p:txBody>
@@ -4076,7 +4431,19 @@
           <a:p>
             <a:r>
               <a:rPr lang="en-US" dirty="0"/>
-              <a:t>Now to launch our robot</a:t>
+              <a:t>Another error is missing dependencies</a:t>
+            </a:r>
+          </a:p>
+          <a:p>
+            <a:r>
+              <a:rPr lang="en-US" dirty="0"/>
+              <a:t>Because we are getting a lot of our stuff from GitHub we are not actually installing many of the dependencies</a:t>
+            </a:r>
+          </a:p>
+          <a:p>
+            <a:r>
+              <a:rPr lang="en-US" dirty="0"/>
+              <a:t>To remedy this all we need to do is run</a:t>
             </a:r>
           </a:p>
           <a:p>
@@ -4086,19 +4453,133 @@
             </a:r>
             <a:r>
               <a:rPr lang="en-US" dirty="0" err="1"/>
-              <a:t>roslaunch</a:t>
-            </a:r>
-            <a:r>
-              <a:rPr lang="en-US" dirty="0"/>
-              <a:t> turtlebot3_fake turtlebot3_fake.launch</a:t>
-            </a:r>
+              <a:t>rosdep</a:t>
+            </a:r>
+            <a:r>
+              <a:rPr lang="en-US" dirty="0"/>
+              <a:t> install --from-paths /home/</a:t>
+            </a:r>
+            <a:r>
+              <a:rPr lang="en-US" dirty="0" err="1"/>
+              <a:t>findjohnconner</a:t>
+            </a:r>
+            <a:r>
+              <a:rPr lang="en-US" dirty="0"/>
+              <a:t>/</a:t>
+            </a:r>
+            <a:r>
+              <a:rPr lang="en-US" dirty="0" err="1"/>
+              <a:t>catkin_ws</a:t>
+            </a:r>
+            <a:r>
+              <a:rPr lang="en-US" dirty="0"/>
+              <a:t>/</a:t>
+            </a:r>
+            <a:r>
+              <a:rPr lang="en-US" dirty="0" err="1"/>
+              <a:t>src</a:t>
+            </a:r>
+            <a:r>
+              <a:rPr lang="en-US" dirty="0"/>
+              <a:t> --ignore-</a:t>
+            </a:r>
+            <a:r>
+              <a:rPr lang="en-US" dirty="0" err="1"/>
+              <a:t>src</a:t>
+            </a:r>
+            <a:endParaRPr lang="en-US" dirty="0"/>
+          </a:p>
+        </p:txBody>
+      </p:sp>
+      <p:pic>
+        <p:nvPicPr>
+          <p:cNvPr id="4" name="Picture 3">
+            <a:extLst>
+              <a:ext uri="{FF2B5EF4-FFF2-40B4-BE49-F238E27FC236}">
+                <a16:creationId xmlns:a16="http://schemas.microsoft.com/office/drawing/2014/main" id="{5201C490-7BB7-4322-A9E7-4F016378DF35}"/>
+              </a:ext>
+            </a:extLst>
+          </p:cNvPr>
+          <p:cNvPicPr>
+            <a:picLocks noChangeAspect="1"/>
+          </p:cNvPicPr>
+          <p:nvPr/>
+        </p:nvPicPr>
+        <p:blipFill>
+          <a:blip r:embed="rId2"/>
+          <a:stretch>
+            <a:fillRect/>
+          </a:stretch>
+        </p:blipFill>
+        <p:spPr>
+          <a:xfrm>
+            <a:off x="276417" y="2334126"/>
+            <a:ext cx="5679500" cy="3407700"/>
+          </a:xfrm>
+          <a:prstGeom prst="rect">
+            <a:avLst/>
+          </a:prstGeom>
+        </p:spPr>
+      </p:pic>
+      <p:sp>
+        <p:nvSpPr>
+          <p:cNvPr id="5" name="Speech Bubble: Oval 4">
+            <a:extLst>
+              <a:ext uri="{FF2B5EF4-FFF2-40B4-BE49-F238E27FC236}">
+                <a16:creationId xmlns:a16="http://schemas.microsoft.com/office/drawing/2014/main" id="{EBE0F098-530F-4D44-9BAE-0844BB70B3C1}"/>
+              </a:ext>
+            </a:extLst>
+          </p:cNvPr>
+          <p:cNvSpPr/>
+          <p:nvPr/>
+        </p:nvSpPr>
+        <p:spPr>
+          <a:xfrm>
+            <a:off x="276417" y="2526632"/>
+            <a:ext cx="5679500" cy="336884"/>
+          </a:xfrm>
+          <a:prstGeom prst="wedgeEllipseCallout">
+            <a:avLst>
+              <a:gd name="adj1" fmla="val 50755"/>
+              <a:gd name="adj2" fmla="val 503572"/>
+            </a:avLst>
+          </a:prstGeom>
+          <a:noFill/>
+          <a:ln>
+            <a:solidFill>
+              <a:srgbClr val="00B0F0"/>
+            </a:solidFill>
+          </a:ln>
+        </p:spPr>
+        <p:style>
+          <a:lnRef idx="2">
+            <a:schemeClr val="accent1">
+              <a:shade val="50000"/>
+            </a:schemeClr>
+          </a:lnRef>
+          <a:fillRef idx="1">
+            <a:schemeClr val="accent1"/>
+          </a:fillRef>
+          <a:effectRef idx="0">
+            <a:schemeClr val="accent1"/>
+          </a:effectRef>
+          <a:fontRef idx="minor">
+            <a:schemeClr val="lt1"/>
+          </a:fontRef>
+        </p:style>
+        <p:txBody>
+          <a:bodyPr rtlCol="0" anchor="ctr"/>
+          <a:lstStyle/>
+          <a:p>
+            <a:pPr algn="ctr"/>
+            <a:endParaRPr lang="en-US"/>
           </a:p>
         </p:txBody>
       </p:sp>
     </p:spTree>
     <p:extLst>
       <p:ext uri="{BB962C8B-B14F-4D97-AF65-F5344CB8AC3E}">
-        <p14:creationId xmlns:p14="http://schemas.microsoft.com/office/powerpoint/2010/main" val="4243124323"/>
+        <p14:creationId xmlns:p14="http://schemas.microsoft.com/office/powerpoint/2010/main" val="4251779383"/>
       </p:ext>
     </p:extLst>
   </p:cSld>
@@ -4130,7 +4611,7 @@
           <p:cNvPr id="2" name="Title 1">
             <a:extLst>
               <a:ext uri="{FF2B5EF4-FFF2-40B4-BE49-F238E27FC236}">
-                <a16:creationId xmlns:a16="http://schemas.microsoft.com/office/drawing/2014/main" id="{EF73907A-1CA0-4A6E-8AB1-FF3FB61EF20F}"/>
+                <a16:creationId xmlns:a16="http://schemas.microsoft.com/office/drawing/2014/main" id="{03E7D0F8-55CA-4997-9451-8D0BBE408FA4}"/>
               </a:ext>
             </a:extLst>
           </p:cNvPr>
@@ -4146,7 +4627,10 @@
           <a:bodyPr/>
           <a:lstStyle/>
           <a:p>
-            <a:endParaRPr lang="en-US"/>
+            <a:r>
+              <a:rPr lang="en-US" dirty="0"/>
+              <a:t>World Builder</a:t>
+            </a:r>
           </a:p>
         </p:txBody>
       </p:sp>
@@ -4155,7 +4639,7 @@
           <p:cNvPr id="3" name="Content Placeholder 2">
             <a:extLst>
               <a:ext uri="{FF2B5EF4-FFF2-40B4-BE49-F238E27FC236}">
-                <a16:creationId xmlns:a16="http://schemas.microsoft.com/office/drawing/2014/main" id="{5CBFC411-D1E3-44DF-8EAE-3BBAEF218EC6}"/>
+                <a16:creationId xmlns:a16="http://schemas.microsoft.com/office/drawing/2014/main" id="{605AB148-B461-4516-A169-F2EA404B37F2}"/>
               </a:ext>
             </a:extLst>
           </p:cNvPr>
@@ -4166,21 +4650,84 @@
             <p:ph idx="1"/>
           </p:nvPr>
         </p:nvSpPr>
-        <p:spPr/>
-        <p:txBody>
-          <a:bodyPr/>
-          <a:lstStyle/>
-          <a:p>
-            <a:endParaRPr lang="en-US"/>
+        <p:spPr>
+          <a:xfrm>
+            <a:off x="7583214" y="1079938"/>
+            <a:ext cx="3770586" cy="5097025"/>
+          </a:xfrm>
+        </p:spPr>
+        <p:txBody>
+          <a:bodyPr>
+            <a:normAutofit lnSpcReduction="10000"/>
+          </a:bodyPr>
+          <a:lstStyle/>
+          <a:p>
+            <a:r>
+              <a:rPr lang="en-US" dirty="0"/>
+              <a:t>Now that we have our robot brains we need a world for it to explore</a:t>
+            </a:r>
+          </a:p>
+          <a:p>
+            <a:r>
+              <a:rPr lang="en-US" dirty="0"/>
+              <a:t>We get this with gazebo</a:t>
+            </a:r>
+          </a:p>
+          <a:p>
+            <a:r>
+              <a:rPr lang="en-US" dirty="0"/>
+              <a:t>$ cd ~/</a:t>
+            </a:r>
+            <a:r>
+              <a:rPr lang="en-US" dirty="0" err="1"/>
+              <a:t>catkin_ws</a:t>
+            </a:r>
+            <a:r>
+              <a:rPr lang="en-US" dirty="0"/>
+              <a:t>/</a:t>
+            </a:r>
+            <a:r>
+              <a:rPr lang="en-US" dirty="0" err="1"/>
+              <a:t>src</a:t>
+            </a:r>
+            <a:r>
+              <a:rPr lang="en-US" dirty="0"/>
+              <a:t>/</a:t>
+            </a:r>
+          </a:p>
+          <a:p>
+            <a:r>
+              <a:rPr lang="en-US" dirty="0"/>
+              <a:t>$ git clone https://github.com/ROBOTIS-GIT/turtlebot3_simulations.git</a:t>
+            </a:r>
+          </a:p>
+          <a:p>
+            <a:r>
+              <a:rPr lang="en-US" dirty="0"/>
+              <a:t>    $ cd ~/</a:t>
+            </a:r>
+            <a:r>
+              <a:rPr lang="en-US" dirty="0" err="1"/>
+              <a:t>catkin_ws</a:t>
+            </a:r>
+            <a:r>
+              <a:rPr lang="en-US" dirty="0"/>
+              <a:t> &amp;&amp; </a:t>
+            </a:r>
+            <a:r>
+              <a:rPr lang="en-US" dirty="0" err="1"/>
+              <a:t>catkin_make</a:t>
+            </a:r>
+            <a:endParaRPr lang="en-US" dirty="0"/>
           </a:p>
         </p:txBody>
       </p:sp>
       <p:pic>
         <p:nvPicPr>
-          <p:cNvPr id="4" name="Picture 3">
-            <a:extLst>
-              <a:ext uri="{FF2B5EF4-FFF2-40B4-BE49-F238E27FC236}">
-                <a16:creationId xmlns:a16="http://schemas.microsoft.com/office/drawing/2014/main" id="{690C57B8-5F29-4ED3-BF89-4F32AFB9FFF8}"/>
+          <p:cNvPr id="6" name="Picture 5">
+            <a:extLst>
+              <a:ext uri="{FF2B5EF4-FFF2-40B4-BE49-F238E27FC236}">
+                <a16:creationId xmlns:a16="http://schemas.microsoft.com/office/drawing/2014/main" id="{11589054-08EB-4A43-A272-5C8B2EA938AA}"/>
               </a:ext>
             </a:extLst>
           </p:cNvPr>
@@ -4197,8 +4744,8 @@
         </p:blipFill>
         <p:spPr>
           <a:xfrm>
-            <a:off x="428016" y="2437116"/>
-            <a:ext cx="12305489" cy="15788913"/>
+            <a:off x="463043" y="1256927"/>
+            <a:ext cx="6068272" cy="5353797"/>
           </a:xfrm>
           <a:prstGeom prst="rect">
             <a:avLst/>
@@ -4208,7 +4755,693 @@
     </p:spTree>
     <p:extLst>
       <p:ext uri="{BB962C8B-B14F-4D97-AF65-F5344CB8AC3E}">
-        <p14:creationId xmlns:p14="http://schemas.microsoft.com/office/powerpoint/2010/main" val="3786379017"/>
+        <p14:creationId xmlns:p14="http://schemas.microsoft.com/office/powerpoint/2010/main" val="1127936623"/>
+      </p:ext>
+    </p:extLst>
+  </p:cSld>
+  <p:clrMapOvr>
+    <a:masterClrMapping/>
+  </p:clrMapOvr>
+</p:sld>
+</file>
+
+<file path=ppt/slides/slide16.xml><?xml version="1.0" encoding="utf-8"?>
+<p:sld xmlns:a="http://schemas.openxmlformats.org/drawingml/2006/main" xmlns:r="http://schemas.openxmlformats.org/officeDocument/2006/relationships" xmlns:p="http://schemas.openxmlformats.org/presentationml/2006/main">
+  <p:cSld>
+    <p:spTree>
+      <p:nvGrpSpPr>
+        <p:cNvPr id="1" name=""/>
+        <p:cNvGrpSpPr/>
+        <p:nvPr/>
+      </p:nvGrpSpPr>
+      <p:grpSpPr>
+        <a:xfrm>
+          <a:off x="0" y="0"/>
+          <a:ext cx="0" cy="0"/>
+          <a:chOff x="0" y="0"/>
+          <a:chExt cx="0" cy="0"/>
+        </a:xfrm>
+      </p:grpSpPr>
+      <p:sp>
+        <p:nvSpPr>
+          <p:cNvPr id="2" name="Title 1">
+            <a:extLst>
+              <a:ext uri="{FF2B5EF4-FFF2-40B4-BE49-F238E27FC236}">
+                <a16:creationId xmlns:a16="http://schemas.microsoft.com/office/drawing/2014/main" id="{84DBC518-4D70-4C4A-962F-74652B28C183}"/>
+              </a:ext>
+            </a:extLst>
+          </p:cNvPr>
+          <p:cNvSpPr>
+            <a:spLocks noGrp="1"/>
+          </p:cNvSpPr>
+          <p:nvPr>
+            <p:ph type="title"/>
+          </p:nvPr>
+        </p:nvSpPr>
+        <p:spPr/>
+        <p:txBody>
+          <a:bodyPr/>
+          <a:lstStyle/>
+          <a:p>
+            <a:r>
+              <a:rPr lang="en-US" dirty="0"/>
+              <a:t>Start the </a:t>
+            </a:r>
+            <a:r>
+              <a:rPr lang="en-US" dirty="0" err="1"/>
+              <a:t>robo</a:t>
+            </a:r>
+            <a:endParaRPr lang="en-US" dirty="0"/>
+          </a:p>
+        </p:txBody>
+      </p:sp>
+      <p:sp>
+        <p:nvSpPr>
+          <p:cNvPr id="3" name="Content Placeholder 2">
+            <a:extLst>
+              <a:ext uri="{FF2B5EF4-FFF2-40B4-BE49-F238E27FC236}">
+                <a16:creationId xmlns:a16="http://schemas.microsoft.com/office/drawing/2014/main" id="{A00F6AEC-B55C-4C80-8A25-7F4A4CDDF957}"/>
+              </a:ext>
+            </a:extLst>
+          </p:cNvPr>
+          <p:cNvSpPr>
+            <a:spLocks noGrp="1"/>
+          </p:cNvSpPr>
+          <p:nvPr>
+            <p:ph idx="1"/>
+          </p:nvPr>
+        </p:nvSpPr>
+        <p:spPr>
+          <a:xfrm>
+            <a:off x="6676699" y="1825625"/>
+            <a:ext cx="5378669" cy="4351338"/>
+          </a:xfrm>
+        </p:spPr>
+        <p:txBody>
+          <a:bodyPr/>
+          <a:lstStyle/>
+          <a:p>
+            <a:r>
+              <a:rPr lang="en-US" dirty="0"/>
+              <a:t>Now we got to tell ROS what kind </a:t>
+            </a:r>
+            <a:r>
+              <a:rPr lang="en-US" dirty="0" err="1"/>
+              <a:t>o’robo</a:t>
+            </a:r>
+            <a:r>
+              <a:rPr lang="en-US" dirty="0"/>
+              <a:t> we will be using</a:t>
+            </a:r>
+          </a:p>
+          <a:p>
+            <a:r>
+              <a:rPr lang="en-US" dirty="0"/>
+              <a:t>$ export TURTLEBOT3_MODEL=waffle</a:t>
+            </a:r>
+          </a:p>
+          <a:p>
+            <a:r>
+              <a:rPr lang="en-US" dirty="0"/>
+              <a:t>Or “burger”</a:t>
+            </a:r>
+          </a:p>
+        </p:txBody>
+      </p:sp>
+      <p:pic>
+        <p:nvPicPr>
+          <p:cNvPr id="7" name="Picture 6">
+            <a:extLst>
+              <a:ext uri="{FF2B5EF4-FFF2-40B4-BE49-F238E27FC236}">
+                <a16:creationId xmlns:a16="http://schemas.microsoft.com/office/drawing/2014/main" id="{798D2A02-223B-4C41-9235-BA995AEDBA88}"/>
+              </a:ext>
+            </a:extLst>
+          </p:cNvPr>
+          <p:cNvPicPr>
+            <a:picLocks noChangeAspect="1"/>
+          </p:cNvPicPr>
+          <p:nvPr/>
+        </p:nvPicPr>
+        <p:blipFill>
+          <a:blip r:embed="rId2"/>
+          <a:stretch>
+            <a:fillRect/>
+          </a:stretch>
+        </p:blipFill>
+        <p:spPr>
+          <a:xfrm>
+            <a:off x="136632" y="1825625"/>
+            <a:ext cx="6331293" cy="3822994"/>
+          </a:xfrm>
+          <a:prstGeom prst="rect">
+            <a:avLst/>
+          </a:prstGeom>
+        </p:spPr>
+      </p:pic>
+    </p:spTree>
+    <p:extLst>
+      <p:ext uri="{BB962C8B-B14F-4D97-AF65-F5344CB8AC3E}">
+        <p14:creationId xmlns:p14="http://schemas.microsoft.com/office/powerpoint/2010/main" val="1578227982"/>
+      </p:ext>
+    </p:extLst>
+  </p:cSld>
+  <p:clrMapOvr>
+    <a:masterClrMapping/>
+  </p:clrMapOvr>
+</p:sld>
+</file>
+
+<file path=ppt/slides/slide17.xml><?xml version="1.0" encoding="utf-8"?>
+<p:sld xmlns:a="http://schemas.openxmlformats.org/drawingml/2006/main" xmlns:r="http://schemas.openxmlformats.org/officeDocument/2006/relationships" xmlns:p="http://schemas.openxmlformats.org/presentationml/2006/main">
+  <p:cSld>
+    <p:spTree>
+      <p:nvGrpSpPr>
+        <p:cNvPr id="1" name=""/>
+        <p:cNvGrpSpPr/>
+        <p:nvPr/>
+      </p:nvGrpSpPr>
+      <p:grpSpPr>
+        <a:xfrm>
+          <a:off x="0" y="0"/>
+          <a:ext cx="0" cy="0"/>
+          <a:chOff x="0" y="0"/>
+          <a:chExt cx="0" cy="0"/>
+        </a:xfrm>
+      </p:grpSpPr>
+      <p:sp>
+        <p:nvSpPr>
+          <p:cNvPr id="2" name="Title 1">
+            <a:extLst>
+              <a:ext uri="{FF2B5EF4-FFF2-40B4-BE49-F238E27FC236}">
+                <a16:creationId xmlns:a16="http://schemas.microsoft.com/office/drawing/2014/main" id="{64AB62C3-4838-4B63-B52D-CAC63E5780D0}"/>
+              </a:ext>
+            </a:extLst>
+          </p:cNvPr>
+          <p:cNvSpPr>
+            <a:spLocks noGrp="1"/>
+          </p:cNvSpPr>
+          <p:nvPr>
+            <p:ph type="title"/>
+          </p:nvPr>
+        </p:nvSpPr>
+        <p:spPr/>
+        <p:txBody>
+          <a:bodyPr/>
+          <a:lstStyle/>
+          <a:p>
+            <a:r>
+              <a:rPr lang="en-US" dirty="0"/>
+              <a:t>Launch the world</a:t>
+            </a:r>
+          </a:p>
+        </p:txBody>
+      </p:sp>
+      <p:sp>
+        <p:nvSpPr>
+          <p:cNvPr id="3" name="Content Placeholder 2">
+            <a:extLst>
+              <a:ext uri="{FF2B5EF4-FFF2-40B4-BE49-F238E27FC236}">
+                <a16:creationId xmlns:a16="http://schemas.microsoft.com/office/drawing/2014/main" id="{2485F117-4B3E-47E2-9563-A8B57D209E04}"/>
+              </a:ext>
+            </a:extLst>
+          </p:cNvPr>
+          <p:cNvSpPr>
+            <a:spLocks noGrp="1"/>
+          </p:cNvSpPr>
+          <p:nvPr>
+            <p:ph idx="1"/>
+          </p:nvPr>
+        </p:nvSpPr>
+        <p:spPr>
+          <a:xfrm>
+            <a:off x="6723992" y="1825625"/>
+            <a:ext cx="4629807" cy="4351338"/>
+          </a:xfrm>
+        </p:spPr>
+        <p:txBody>
+          <a:bodyPr/>
+          <a:lstStyle/>
+          <a:p>
+            <a:r>
+              <a:rPr lang="en-US" dirty="0"/>
+              <a:t>Now to launch our robot</a:t>
+            </a:r>
+          </a:p>
+          <a:p>
+            <a:r>
+              <a:rPr lang="en-US" dirty="0"/>
+              <a:t>$ </a:t>
+            </a:r>
+            <a:r>
+              <a:rPr lang="en-US" dirty="0" err="1"/>
+              <a:t>roslaunch</a:t>
+            </a:r>
+            <a:r>
+              <a:rPr lang="en-US" dirty="0"/>
+              <a:t> turtlebot3_fake turtlebot3_fake.launch</a:t>
+            </a:r>
+          </a:p>
+          <a:p>
+            <a:r>
+              <a:rPr lang="en-US" dirty="0"/>
+              <a:t>This opens up our world and drops our </a:t>
+            </a:r>
+            <a:r>
+              <a:rPr lang="en-US" dirty="0" err="1"/>
+              <a:t>robo</a:t>
+            </a:r>
+            <a:r>
+              <a:rPr lang="en-US" dirty="0"/>
+              <a:t> inside</a:t>
+            </a:r>
+          </a:p>
+        </p:txBody>
+      </p:sp>
+      <p:pic>
+        <p:nvPicPr>
+          <p:cNvPr id="4" name="Picture 3">
+            <a:extLst>
+              <a:ext uri="{FF2B5EF4-FFF2-40B4-BE49-F238E27FC236}">
+                <a16:creationId xmlns:a16="http://schemas.microsoft.com/office/drawing/2014/main" id="{CACDF82F-445A-47C0-996F-47106372EB4B}"/>
+              </a:ext>
+            </a:extLst>
+          </p:cNvPr>
+          <p:cNvPicPr>
+            <a:picLocks noChangeAspect="1"/>
+          </p:cNvPicPr>
+          <p:nvPr/>
+        </p:nvPicPr>
+        <p:blipFill>
+          <a:blip r:embed="rId2"/>
+          <a:stretch>
+            <a:fillRect/>
+          </a:stretch>
+        </p:blipFill>
+        <p:spPr>
+          <a:xfrm>
+            <a:off x="282657" y="1739675"/>
+            <a:ext cx="6238460" cy="3968000"/>
+          </a:xfrm>
+          <a:prstGeom prst="rect">
+            <a:avLst/>
+          </a:prstGeom>
+        </p:spPr>
+      </p:pic>
+      <p:sp>
+        <p:nvSpPr>
+          <p:cNvPr id="5" name="Speech Bubble: Oval 4">
+            <a:extLst>
+              <a:ext uri="{FF2B5EF4-FFF2-40B4-BE49-F238E27FC236}">
+                <a16:creationId xmlns:a16="http://schemas.microsoft.com/office/drawing/2014/main" id="{ADC688DF-8D77-4E89-9178-83FD24BCDBBC}"/>
+              </a:ext>
+            </a:extLst>
+          </p:cNvPr>
+          <p:cNvSpPr/>
+          <p:nvPr/>
+        </p:nvSpPr>
+        <p:spPr>
+          <a:xfrm>
+            <a:off x="282657" y="2041071"/>
+            <a:ext cx="6441335" cy="195943"/>
+          </a:xfrm>
+          <a:prstGeom prst="wedgeEllipseCallout">
+            <a:avLst>
+              <a:gd name="adj1" fmla="val 50653"/>
+              <a:gd name="adj2" fmla="val 126006"/>
+            </a:avLst>
+          </a:prstGeom>
+          <a:noFill/>
+          <a:ln>
+            <a:solidFill>
+              <a:srgbClr val="00B0F0"/>
+            </a:solidFill>
+          </a:ln>
+        </p:spPr>
+        <p:style>
+          <a:lnRef idx="2">
+            <a:schemeClr val="accent1">
+              <a:shade val="50000"/>
+            </a:schemeClr>
+          </a:lnRef>
+          <a:fillRef idx="1">
+            <a:schemeClr val="accent1"/>
+          </a:fillRef>
+          <a:effectRef idx="0">
+            <a:schemeClr val="accent1"/>
+          </a:effectRef>
+          <a:fontRef idx="minor">
+            <a:schemeClr val="lt1"/>
+          </a:fontRef>
+        </p:style>
+        <p:txBody>
+          <a:bodyPr rtlCol="0" anchor="ctr"/>
+          <a:lstStyle/>
+          <a:p>
+            <a:pPr algn="ctr"/>
+            <a:endParaRPr lang="en-US"/>
+          </a:p>
+        </p:txBody>
+      </p:sp>
+    </p:spTree>
+    <p:extLst>
+      <p:ext uri="{BB962C8B-B14F-4D97-AF65-F5344CB8AC3E}">
+        <p14:creationId xmlns:p14="http://schemas.microsoft.com/office/powerpoint/2010/main" val="4243124323"/>
+      </p:ext>
+    </p:extLst>
+  </p:cSld>
+  <p:clrMapOvr>
+    <a:masterClrMapping/>
+  </p:clrMapOvr>
+</p:sld>
+</file>
+
+<file path=ppt/slides/slide18.xml><?xml version="1.0" encoding="utf-8"?>
+<p:sld xmlns:a="http://schemas.openxmlformats.org/drawingml/2006/main" xmlns:r="http://schemas.openxmlformats.org/officeDocument/2006/relationships" xmlns:p="http://schemas.openxmlformats.org/presentationml/2006/main">
+  <p:cSld>
+    <p:spTree>
+      <p:nvGrpSpPr>
+        <p:cNvPr id="1" name=""/>
+        <p:cNvGrpSpPr/>
+        <p:nvPr/>
+      </p:nvGrpSpPr>
+      <p:grpSpPr>
+        <a:xfrm>
+          <a:off x="0" y="0"/>
+          <a:ext cx="0" cy="0"/>
+          <a:chOff x="0" y="0"/>
+          <a:chExt cx="0" cy="0"/>
+        </a:xfrm>
+      </p:grpSpPr>
+      <p:sp>
+        <p:nvSpPr>
+          <p:cNvPr id="2" name="Title 1">
+            <a:extLst>
+              <a:ext uri="{FF2B5EF4-FFF2-40B4-BE49-F238E27FC236}">
+                <a16:creationId xmlns:a16="http://schemas.microsoft.com/office/drawing/2014/main" id="{B5B216E9-B3B8-4CE7-8855-211A15BF86C8}"/>
+              </a:ext>
+            </a:extLst>
+          </p:cNvPr>
+          <p:cNvSpPr>
+            <a:spLocks noGrp="1"/>
+          </p:cNvSpPr>
+          <p:nvPr>
+            <p:ph type="title"/>
+          </p:nvPr>
+        </p:nvSpPr>
+        <p:spPr/>
+        <p:txBody>
+          <a:bodyPr/>
+          <a:lstStyle/>
+          <a:p>
+            <a:r>
+              <a:rPr lang="en-US" dirty="0"/>
+              <a:t>Take control</a:t>
+            </a:r>
+          </a:p>
+        </p:txBody>
+      </p:sp>
+      <p:sp>
+        <p:nvSpPr>
+          <p:cNvPr id="3" name="Content Placeholder 2">
+            <a:extLst>
+              <a:ext uri="{FF2B5EF4-FFF2-40B4-BE49-F238E27FC236}">
+                <a16:creationId xmlns:a16="http://schemas.microsoft.com/office/drawing/2014/main" id="{1B8444B7-443F-4DAF-B9BA-3950D2CE5A5B}"/>
+              </a:ext>
+            </a:extLst>
+          </p:cNvPr>
+          <p:cNvSpPr>
+            <a:spLocks noGrp="1"/>
+          </p:cNvSpPr>
+          <p:nvPr>
+            <p:ph idx="1"/>
+          </p:nvPr>
+        </p:nvSpPr>
+        <p:spPr>
+          <a:xfrm>
+            <a:off x="6096000" y="1825625"/>
+            <a:ext cx="5257800" cy="4351338"/>
+          </a:xfrm>
+        </p:spPr>
+        <p:txBody>
+          <a:bodyPr/>
+          <a:lstStyle/>
+          <a:p>
+            <a:r>
+              <a:rPr lang="en-US" dirty="0"/>
+              <a:t>Now to control our </a:t>
+            </a:r>
+            <a:r>
+              <a:rPr lang="en-US" dirty="0" err="1"/>
+              <a:t>robo</a:t>
+            </a:r>
+            <a:endParaRPr lang="en-US" dirty="0"/>
+          </a:p>
+          <a:p>
+            <a:r>
+              <a:rPr lang="en-US" dirty="0"/>
+              <a:t>First open a new terminal</a:t>
+            </a:r>
+            <a:br>
+              <a:rPr lang="en-US" dirty="0"/>
+            </a:br>
+            <a:r>
+              <a:rPr lang="en-US" dirty="0"/>
+              <a:t>right click screen or ctrl + t</a:t>
+            </a:r>
+          </a:p>
+          <a:p>
+            <a:r>
+              <a:rPr lang="en-US" dirty="0"/>
+              <a:t>Now we need to tell what </a:t>
+            </a:r>
+            <a:r>
+              <a:rPr lang="en-US" dirty="0" err="1"/>
+              <a:t>robo</a:t>
+            </a:r>
+            <a:br>
+              <a:rPr lang="en-US" dirty="0"/>
+            </a:br>
+            <a:r>
+              <a:rPr lang="en-US" dirty="0"/>
+              <a:t>$ export TURTLEBOT3_MODEL=waffle</a:t>
+            </a:r>
+          </a:p>
+          <a:p>
+            <a:r>
+              <a:rPr lang="en-US" dirty="0"/>
+              <a:t>And to control our </a:t>
+            </a:r>
+            <a:r>
+              <a:rPr lang="en-US" dirty="0" err="1"/>
+              <a:t>robo</a:t>
+            </a:r>
+            <a:endParaRPr lang="en-US" dirty="0"/>
+          </a:p>
+          <a:p>
+            <a:r>
+              <a:rPr lang="en-US" dirty="0"/>
+              <a:t>$ </a:t>
+            </a:r>
+            <a:r>
+              <a:rPr lang="en-US" dirty="0" err="1"/>
+              <a:t>roslaunch</a:t>
+            </a:r>
+            <a:r>
+              <a:rPr lang="en-US" dirty="0"/>
+              <a:t> turtlebot3_teleop turtlebot3_teleop_key.launch</a:t>
+            </a:r>
+          </a:p>
+          <a:p>
+            <a:endParaRPr lang="en-US" dirty="0"/>
+          </a:p>
+          <a:p>
+            <a:endParaRPr lang="en-US" dirty="0"/>
+          </a:p>
+        </p:txBody>
+      </p:sp>
+      <p:pic>
+        <p:nvPicPr>
+          <p:cNvPr id="4" name="Picture 3">
+            <a:extLst>
+              <a:ext uri="{FF2B5EF4-FFF2-40B4-BE49-F238E27FC236}">
+                <a16:creationId xmlns:a16="http://schemas.microsoft.com/office/drawing/2014/main" id="{6DE1232F-BB90-41C0-B18D-52476D34B3FD}"/>
+              </a:ext>
+            </a:extLst>
+          </p:cNvPr>
+          <p:cNvPicPr>
+            <a:picLocks noChangeAspect="1"/>
+          </p:cNvPicPr>
+          <p:nvPr/>
+        </p:nvPicPr>
+        <p:blipFill>
+          <a:blip r:embed="rId2"/>
+          <a:stretch>
+            <a:fillRect/>
+          </a:stretch>
+        </p:blipFill>
+        <p:spPr>
+          <a:xfrm>
+            <a:off x="145990" y="2203303"/>
+            <a:ext cx="5950010" cy="3595982"/>
+          </a:xfrm>
+          <a:prstGeom prst="rect">
+            <a:avLst/>
+          </a:prstGeom>
+        </p:spPr>
+      </p:pic>
+    </p:spTree>
+    <p:extLst>
+      <p:ext uri="{BB962C8B-B14F-4D97-AF65-F5344CB8AC3E}">
+        <p14:creationId xmlns:p14="http://schemas.microsoft.com/office/powerpoint/2010/main" val="1456891729"/>
+      </p:ext>
+    </p:extLst>
+  </p:cSld>
+  <p:clrMapOvr>
+    <a:masterClrMapping/>
+  </p:clrMapOvr>
+</p:sld>
+</file>
+
+<file path=ppt/slides/slide19.xml><?xml version="1.0" encoding="utf-8"?>
+<p:sld xmlns:a="http://schemas.openxmlformats.org/drawingml/2006/main" xmlns:r="http://schemas.openxmlformats.org/officeDocument/2006/relationships" xmlns:p="http://schemas.openxmlformats.org/presentationml/2006/main">
+  <p:cSld>
+    <p:spTree>
+      <p:nvGrpSpPr>
+        <p:cNvPr id="1" name=""/>
+        <p:cNvGrpSpPr/>
+        <p:nvPr/>
+      </p:nvGrpSpPr>
+      <p:grpSpPr>
+        <a:xfrm>
+          <a:off x="0" y="0"/>
+          <a:ext cx="0" cy="0"/>
+          <a:chOff x="0" y="0"/>
+          <a:chExt cx="0" cy="0"/>
+        </a:xfrm>
+      </p:grpSpPr>
+      <p:sp>
+        <p:nvSpPr>
+          <p:cNvPr id="2" name="Title 1">
+            <a:extLst>
+              <a:ext uri="{FF2B5EF4-FFF2-40B4-BE49-F238E27FC236}">
+                <a16:creationId xmlns:a16="http://schemas.microsoft.com/office/drawing/2014/main" id="{B4CD5E75-E785-4341-A7BF-F4B32DA70A8F}"/>
+              </a:ext>
+            </a:extLst>
+          </p:cNvPr>
+          <p:cNvSpPr>
+            <a:spLocks noGrp="1"/>
+          </p:cNvSpPr>
+          <p:nvPr>
+            <p:ph type="title"/>
+          </p:nvPr>
+        </p:nvSpPr>
+        <p:spPr/>
+        <p:txBody>
+          <a:bodyPr/>
+          <a:lstStyle/>
+          <a:p>
+            <a:r>
+              <a:rPr lang="en-US" dirty="0"/>
+              <a:t>To end our fun</a:t>
+            </a:r>
+          </a:p>
+        </p:txBody>
+      </p:sp>
+      <p:sp>
+        <p:nvSpPr>
+          <p:cNvPr id="3" name="Content Placeholder 2">
+            <a:extLst>
+              <a:ext uri="{FF2B5EF4-FFF2-40B4-BE49-F238E27FC236}">
+                <a16:creationId xmlns:a16="http://schemas.microsoft.com/office/drawing/2014/main" id="{5A753C2B-0C69-45CD-8A3D-C7B69099D625}"/>
+              </a:ext>
+            </a:extLst>
+          </p:cNvPr>
+          <p:cNvSpPr>
+            <a:spLocks noGrp="1"/>
+          </p:cNvSpPr>
+          <p:nvPr>
+            <p:ph idx="1"/>
+          </p:nvPr>
+        </p:nvSpPr>
+        <p:spPr>
+          <a:xfrm>
+            <a:off x="5600700" y="1825625"/>
+            <a:ext cx="5753100" cy="4351338"/>
+          </a:xfrm>
+        </p:spPr>
+        <p:txBody>
+          <a:bodyPr/>
+          <a:lstStyle/>
+          <a:p>
+            <a:r>
+              <a:rPr lang="en-US" dirty="0"/>
+              <a:t>To close down our </a:t>
+            </a:r>
+            <a:r>
+              <a:rPr lang="en-US" dirty="0" err="1"/>
+              <a:t>robo</a:t>
+            </a:r>
+            <a:r>
+              <a:rPr lang="en-US" dirty="0"/>
+              <a:t> sim we close the application</a:t>
+            </a:r>
+          </a:p>
+          <a:p>
+            <a:r>
+              <a:rPr lang="en-US" dirty="0"/>
+              <a:t>Then inside out terminal we use</a:t>
+            </a:r>
+            <a:br>
+              <a:rPr lang="en-US" dirty="0"/>
+            </a:br>
+            <a:r>
+              <a:rPr lang="en-US" dirty="0" err="1"/>
+              <a:t>ctrl+c</a:t>
+            </a:r>
+            <a:endParaRPr lang="en-US" dirty="0"/>
+          </a:p>
+          <a:p>
+            <a:r>
+              <a:rPr lang="en-US" dirty="0"/>
+              <a:t>Now we can close and shut down</a:t>
+            </a:r>
+          </a:p>
+        </p:txBody>
+      </p:sp>
+      <p:pic>
+        <p:nvPicPr>
+          <p:cNvPr id="4" name="Picture 3">
+            <a:extLst>
+              <a:ext uri="{FF2B5EF4-FFF2-40B4-BE49-F238E27FC236}">
+                <a16:creationId xmlns:a16="http://schemas.microsoft.com/office/drawing/2014/main" id="{94C5CBCB-253F-4877-A6DA-05DB19D3C2D2}"/>
+              </a:ext>
+            </a:extLst>
+          </p:cNvPr>
+          <p:cNvPicPr>
+            <a:picLocks noChangeAspect="1"/>
+          </p:cNvPicPr>
+          <p:nvPr/>
+        </p:nvPicPr>
+        <p:blipFill>
+          <a:blip r:embed="rId2"/>
+          <a:stretch>
+            <a:fillRect/>
+          </a:stretch>
+        </p:blipFill>
+        <p:spPr>
+          <a:xfrm>
+            <a:off x="656737" y="1690688"/>
+            <a:ext cx="4942748" cy="2962955"/>
+          </a:xfrm>
+          <a:prstGeom prst="rect">
+            <a:avLst/>
+          </a:prstGeom>
+        </p:spPr>
+      </p:pic>
+    </p:spTree>
+    <p:extLst>
+      <p:ext uri="{BB962C8B-B14F-4D97-AF65-F5344CB8AC3E}">
+        <p14:creationId xmlns:p14="http://schemas.microsoft.com/office/powerpoint/2010/main" val="2554446690"/>
       </p:ext>
     </p:extLst>
   </p:cSld>
@@ -4375,6 +5608,135 @@
     <p:extLst>
       <p:ext uri="{BB962C8B-B14F-4D97-AF65-F5344CB8AC3E}">
         <p14:creationId xmlns:p14="http://schemas.microsoft.com/office/powerpoint/2010/main" val="2294074676"/>
+      </p:ext>
+    </p:extLst>
+  </p:cSld>
+  <p:clrMapOvr>
+    <a:masterClrMapping/>
+  </p:clrMapOvr>
+</p:sld>
+</file>
+
+<file path=ppt/slides/slide20.xml><?xml version="1.0" encoding="utf-8"?>
+<p:sld xmlns:a="http://schemas.openxmlformats.org/drawingml/2006/main" xmlns:r="http://schemas.openxmlformats.org/officeDocument/2006/relationships" xmlns:p="http://schemas.openxmlformats.org/presentationml/2006/main">
+  <p:cSld>
+    <p:spTree>
+      <p:nvGrpSpPr>
+        <p:cNvPr id="1" name=""/>
+        <p:cNvGrpSpPr/>
+        <p:nvPr/>
+      </p:nvGrpSpPr>
+      <p:grpSpPr>
+        <a:xfrm>
+          <a:off x="0" y="0"/>
+          <a:ext cx="0" cy="0"/>
+          <a:chOff x="0" y="0"/>
+          <a:chExt cx="0" cy="0"/>
+        </a:xfrm>
+      </p:grpSpPr>
+      <p:sp>
+        <p:nvSpPr>
+          <p:cNvPr id="2" name="Title 1">
+            <a:extLst>
+              <a:ext uri="{FF2B5EF4-FFF2-40B4-BE49-F238E27FC236}">
+                <a16:creationId xmlns:a16="http://schemas.microsoft.com/office/drawing/2014/main" id="{B14D8A4A-BD16-438C-A2A8-F4CD44CF189D}"/>
+              </a:ext>
+            </a:extLst>
+          </p:cNvPr>
+          <p:cNvSpPr>
+            <a:spLocks noGrp="1"/>
+          </p:cNvSpPr>
+          <p:nvPr>
+            <p:ph type="title"/>
+          </p:nvPr>
+        </p:nvSpPr>
+        <p:spPr/>
+        <p:txBody>
+          <a:bodyPr/>
+          <a:lstStyle/>
+          <a:p>
+            <a:r>
+              <a:rPr lang="en-US" dirty="0"/>
+              <a:t>For next time</a:t>
+            </a:r>
+          </a:p>
+        </p:txBody>
+      </p:sp>
+      <p:sp>
+        <p:nvSpPr>
+          <p:cNvPr id="3" name="Content Placeholder 2">
+            <a:extLst>
+              <a:ext uri="{FF2B5EF4-FFF2-40B4-BE49-F238E27FC236}">
+                <a16:creationId xmlns:a16="http://schemas.microsoft.com/office/drawing/2014/main" id="{3E1B38B6-5315-41A6-AF22-1ADA92F22504}"/>
+              </a:ext>
+            </a:extLst>
+          </p:cNvPr>
+          <p:cNvSpPr>
+            <a:spLocks noGrp="1"/>
+          </p:cNvSpPr>
+          <p:nvPr>
+            <p:ph idx="1"/>
+          </p:nvPr>
+        </p:nvSpPr>
+        <p:spPr>
+          <a:xfrm>
+            <a:off x="6449786" y="1825625"/>
+            <a:ext cx="4904014" cy="4351338"/>
+          </a:xfrm>
+        </p:spPr>
+        <p:txBody>
+          <a:bodyPr/>
+          <a:lstStyle/>
+          <a:p>
+            <a:r>
+              <a:rPr lang="en-US" dirty="0"/>
+              <a:t>Now that all the software is installed, all we have to do to run our simulations again is to start over from Start the </a:t>
+            </a:r>
+            <a:r>
+              <a:rPr lang="en-US" dirty="0" err="1"/>
+              <a:t>robo</a:t>
+            </a:r>
+            <a:r>
+              <a:rPr lang="en-US" dirty="0"/>
+              <a:t>. </a:t>
+            </a:r>
+          </a:p>
+        </p:txBody>
+      </p:sp>
+      <p:pic>
+        <p:nvPicPr>
+          <p:cNvPr id="4" name="Picture 3">
+            <a:extLst>
+              <a:ext uri="{FF2B5EF4-FFF2-40B4-BE49-F238E27FC236}">
+                <a16:creationId xmlns:a16="http://schemas.microsoft.com/office/drawing/2014/main" id="{23F70D3C-8B76-4790-B81A-30A95DD232C5}"/>
+              </a:ext>
+            </a:extLst>
+          </p:cNvPr>
+          <p:cNvPicPr>
+            <a:picLocks noChangeAspect="1"/>
+          </p:cNvPicPr>
+          <p:nvPr/>
+        </p:nvPicPr>
+        <p:blipFill>
+          <a:blip r:embed="rId2"/>
+          <a:stretch>
+            <a:fillRect/>
+          </a:stretch>
+        </p:blipFill>
+        <p:spPr>
+          <a:xfrm>
+            <a:off x="302680" y="1825625"/>
+            <a:ext cx="6151357" cy="3856718"/>
+          </a:xfrm>
+          <a:prstGeom prst="rect">
+            <a:avLst/>
+          </a:prstGeom>
+        </p:spPr>
+      </p:pic>
+    </p:spTree>
+    <p:extLst>
+      <p:ext uri="{BB962C8B-B14F-4D97-AF65-F5344CB8AC3E}">
+        <p14:creationId xmlns:p14="http://schemas.microsoft.com/office/powerpoint/2010/main" val="3332030321"/>
       </p:ext>
     </p:extLst>
   </p:cSld>
@@ -4720,6 +6082,17 @@
               <a:rPr lang="en-US" dirty="0"/>
               <a:t>open terminal</a:t>
             </a:r>
+          </a:p>
+          <a:p>
+            <a:r>
+              <a:rPr lang="en-US" dirty="0"/>
+              <a:t>Or </a:t>
+            </a:r>
+            <a:r>
+              <a:rPr lang="en-US" dirty="0" err="1"/>
+              <a:t>ctrl+alt+t</a:t>
+            </a:r>
+            <a:endParaRPr lang="en-US" dirty="0"/>
           </a:p>
         </p:txBody>
       </p:sp>

--- a/Tutorials/MainTutorial.pptx
+++ b/Tutorials/MainTutorial.pptx
@@ -23,8 +23,9 @@
     <p:sldId id="267" r:id="rId17"/>
     <p:sldId id="268" r:id="rId18"/>
     <p:sldId id="273" r:id="rId19"/>
-    <p:sldId id="276" r:id="rId20"/>
-    <p:sldId id="277" r:id="rId21"/>
+    <p:sldId id="278" r:id="rId20"/>
+    <p:sldId id="276" r:id="rId21"/>
+    <p:sldId id="277" r:id="rId22"/>
   </p:sldIdLst>
   <p:sldSz cx="12192000" cy="6858000"/>
   <p:notesSz cx="6858000" cy="9144000"/>
@@ -5324,6 +5325,316 @@
           <p:cNvPr id="2" name="Title 1">
             <a:extLst>
               <a:ext uri="{FF2B5EF4-FFF2-40B4-BE49-F238E27FC236}">
+                <a16:creationId xmlns:a16="http://schemas.microsoft.com/office/drawing/2014/main" id="{EBF141B7-167D-4BCF-AA24-4CABD74CA50C}"/>
+              </a:ext>
+            </a:extLst>
+          </p:cNvPr>
+          <p:cNvSpPr>
+            <a:spLocks noGrp="1"/>
+          </p:cNvSpPr>
+          <p:nvPr>
+            <p:ph type="title"/>
+          </p:nvPr>
+        </p:nvSpPr>
+        <p:spPr/>
+        <p:txBody>
+          <a:bodyPr/>
+          <a:lstStyle/>
+          <a:p>
+            <a:r>
+              <a:rPr lang="en-US" dirty="0"/>
+              <a:t>More Worlds</a:t>
+            </a:r>
+          </a:p>
+        </p:txBody>
+      </p:sp>
+      <p:sp>
+        <p:nvSpPr>
+          <p:cNvPr id="3" name="Content Placeholder 2">
+            <a:extLst>
+              <a:ext uri="{FF2B5EF4-FFF2-40B4-BE49-F238E27FC236}">
+                <a16:creationId xmlns:a16="http://schemas.microsoft.com/office/drawing/2014/main" id="{ABCAFE0A-1B88-46CE-B0A4-C8785B72B850}"/>
+              </a:ext>
+            </a:extLst>
+          </p:cNvPr>
+          <p:cNvSpPr>
+            <a:spLocks noGrp="1"/>
+          </p:cNvSpPr>
+          <p:nvPr>
+            <p:ph idx="1"/>
+          </p:nvPr>
+        </p:nvSpPr>
+        <p:spPr>
+          <a:xfrm>
+            <a:off x="5257799" y="2141537"/>
+            <a:ext cx="5393871" cy="4351338"/>
+          </a:xfrm>
+        </p:spPr>
+        <p:txBody>
+          <a:bodyPr/>
+          <a:lstStyle/>
+          <a:p>
+            <a:r>
+              <a:rPr lang="en-US" dirty="0"/>
+              <a:t>To see more world types as well as much more detailed info about the </a:t>
+            </a:r>
+            <a:r>
+              <a:rPr lang="en-US" dirty="0" err="1"/>
+              <a:t>turtlebot</a:t>
+            </a:r>
+            <a:r>
+              <a:rPr lang="en-US" dirty="0"/>
+              <a:t> and ROS go here:</a:t>
+            </a:r>
+          </a:p>
+          <a:p>
+            <a:r>
+              <a:rPr lang="en-US" dirty="0">
+                <a:hlinkClick r:id="rId2"/>
+              </a:rPr>
+              <a:t>http://emanual.robotis.com/docs/en/platform/turtlebot3/simulation/#turtlebot3-simulation-using-fake-node</a:t>
+            </a:r>
+            <a:endParaRPr lang="en-US" dirty="0"/>
+          </a:p>
+        </p:txBody>
+      </p:sp>
+      <p:pic>
+        <p:nvPicPr>
+          <p:cNvPr id="5" name="Picture 4" descr="A picture containing crossword, indoor, text, black&#10;&#10;Description automatically generated">
+            <a:extLst>
+              <a:ext uri="{FF2B5EF4-FFF2-40B4-BE49-F238E27FC236}">
+                <a16:creationId xmlns:a16="http://schemas.microsoft.com/office/drawing/2014/main" id="{9C3CFDE8-A06D-4880-A3AF-508B4A6FFCE8}"/>
+              </a:ext>
+            </a:extLst>
+          </p:cNvPr>
+          <p:cNvPicPr>
+            <a:picLocks noChangeAspect="1"/>
+          </p:cNvPicPr>
+          <p:nvPr/>
+        </p:nvPicPr>
+        <p:blipFill>
+          <a:blip r:embed="rId3">
+            <a:extLst>
+              <a:ext uri="{28A0092B-C50C-407E-A947-70E740481C1C}">
+                <a14:useLocalDpi xmlns:a14="http://schemas.microsoft.com/office/drawing/2010/main" val="0"/>
+              </a:ext>
+            </a:extLst>
+          </a:blip>
+          <a:stretch>
+            <a:fillRect/>
+          </a:stretch>
+        </p:blipFill>
+        <p:spPr>
+          <a:xfrm>
+            <a:off x="1932214" y="2514600"/>
+            <a:ext cx="1828800" cy="1828800"/>
+          </a:xfrm>
+          <a:prstGeom prst="rect">
+            <a:avLst/>
+          </a:prstGeom>
+        </p:spPr>
+      </p:pic>
+    </p:spTree>
+    <p:extLst>
+      <p:ext uri="{BB962C8B-B14F-4D97-AF65-F5344CB8AC3E}">
+        <p14:creationId xmlns:p14="http://schemas.microsoft.com/office/powerpoint/2010/main" val="3578502794"/>
+      </p:ext>
+    </p:extLst>
+  </p:cSld>
+  <p:clrMapOvr>
+    <a:masterClrMapping/>
+  </p:clrMapOvr>
+</p:sld>
+</file>
+
+<file path=ppt/slides/slide2.xml><?xml version="1.0" encoding="utf-8"?>
+<p:sld xmlns:a="http://schemas.openxmlformats.org/drawingml/2006/main" xmlns:r="http://schemas.openxmlformats.org/officeDocument/2006/relationships" xmlns:p="http://schemas.openxmlformats.org/presentationml/2006/main">
+  <p:cSld>
+    <p:spTree>
+      <p:nvGrpSpPr>
+        <p:cNvPr id="1" name=""/>
+        <p:cNvGrpSpPr/>
+        <p:nvPr/>
+      </p:nvGrpSpPr>
+      <p:grpSpPr>
+        <a:xfrm>
+          <a:off x="0" y="0"/>
+          <a:ext cx="0" cy="0"/>
+          <a:chOff x="0" y="0"/>
+          <a:chExt cx="0" cy="0"/>
+        </a:xfrm>
+      </p:grpSpPr>
+      <p:sp>
+        <p:nvSpPr>
+          <p:cNvPr id="2" name="Title 1">
+            <a:extLst>
+              <a:ext uri="{FF2B5EF4-FFF2-40B4-BE49-F238E27FC236}">
+                <a16:creationId xmlns:a16="http://schemas.microsoft.com/office/drawing/2014/main" id="{F51F58E7-146B-44E9-8C08-DB020E0A6186}"/>
+              </a:ext>
+            </a:extLst>
+          </p:cNvPr>
+          <p:cNvSpPr>
+            <a:spLocks noGrp="1"/>
+          </p:cNvSpPr>
+          <p:nvPr>
+            <p:ph type="title"/>
+          </p:nvPr>
+        </p:nvSpPr>
+        <p:spPr/>
+        <p:txBody>
+          <a:bodyPr/>
+          <a:lstStyle/>
+          <a:p>
+            <a:r>
+              <a:rPr lang="en-US" dirty="0"/>
+              <a:t>Step 1: The Virtual Machine</a:t>
+            </a:r>
+          </a:p>
+        </p:txBody>
+      </p:sp>
+      <p:sp>
+        <p:nvSpPr>
+          <p:cNvPr id="3" name="Content Placeholder 2">
+            <a:extLst>
+              <a:ext uri="{FF2B5EF4-FFF2-40B4-BE49-F238E27FC236}">
+                <a16:creationId xmlns:a16="http://schemas.microsoft.com/office/drawing/2014/main" id="{F22BE8C5-1D53-4EDB-AA16-52689F6A4FD6}"/>
+              </a:ext>
+            </a:extLst>
+          </p:cNvPr>
+          <p:cNvSpPr>
+            <a:spLocks noGrp="1"/>
+          </p:cNvSpPr>
+          <p:nvPr>
+            <p:ph idx="1"/>
+          </p:nvPr>
+        </p:nvSpPr>
+        <p:spPr/>
+        <p:txBody>
+          <a:bodyPr/>
+          <a:lstStyle/>
+          <a:p>
+            <a:r>
+              <a:rPr lang="en-US" dirty="0"/>
+              <a:t>ROS and SLAM run on a Linux operating system called Ubuntu.</a:t>
+            </a:r>
+          </a:p>
+          <a:p>
+            <a:r>
+              <a:rPr lang="en-US" dirty="0"/>
+              <a:t>  Unless we want to completely wipe out the existing OS on our computer it would be a good idea to use a virtual machine instead.</a:t>
+            </a:r>
+          </a:p>
+          <a:p>
+            <a:r>
+              <a:rPr lang="en-US" dirty="0"/>
+              <a:t>  A virtual machine is like a small computer within a computer, so that the small computer won't affect the outer computer.</a:t>
+            </a:r>
+          </a:p>
+          <a:p>
+            <a:r>
+              <a:rPr lang="en-US" dirty="0"/>
+              <a:t>  We will be using Oracle VM VirtualBox.</a:t>
+            </a:r>
+          </a:p>
+          <a:p>
+            <a:r>
+              <a:rPr lang="en-US" dirty="0"/>
+              <a:t>  VirtualBox can be found at: </a:t>
+            </a:r>
+            <a:r>
+              <a:rPr lang="en-US" dirty="0">
+                <a:hlinkClick r:id="rId2"/>
+              </a:rPr>
+              <a:t>https://www.virtualbox.org/</a:t>
+            </a:r>
+            <a:endParaRPr lang="en-US" dirty="0"/>
+          </a:p>
+          <a:p>
+            <a:r>
+              <a:rPr lang="en-US" dirty="0"/>
+              <a:t>To install VirtualBox: </a:t>
+            </a:r>
+            <a:r>
+              <a:rPr lang="en-US" dirty="0">
+                <a:hlinkClick r:id="rId3" action="ppaction://hlinkpres?slideindex=1&amp;slidetitle="/>
+              </a:rPr>
+              <a:t>VirtualBox Install</a:t>
+            </a:r>
+            <a:endParaRPr lang="en-US" dirty="0"/>
+          </a:p>
+        </p:txBody>
+      </p:sp>
+      <p:pic>
+        <p:nvPicPr>
+          <p:cNvPr id="5" name="Picture 4" descr="A picture containing black, drawing&#10;&#10;Description automatically generated">
+            <a:extLst>
+              <a:ext uri="{FF2B5EF4-FFF2-40B4-BE49-F238E27FC236}">
+                <a16:creationId xmlns:a16="http://schemas.microsoft.com/office/drawing/2014/main" id="{8DA3A4D6-3E02-4A7D-AD01-838298ED2A53}"/>
+              </a:ext>
+            </a:extLst>
+          </p:cNvPr>
+          <p:cNvPicPr>
+            <a:picLocks noChangeAspect="1"/>
+          </p:cNvPicPr>
+          <p:nvPr/>
+        </p:nvPicPr>
+        <p:blipFill>
+          <a:blip r:embed="rId4">
+            <a:extLst>
+              <a:ext uri="{28A0092B-C50C-407E-A947-70E740481C1C}">
+                <a14:useLocalDpi xmlns:a14="http://schemas.microsoft.com/office/drawing/2010/main" val="0"/>
+              </a:ext>
+            </a:extLst>
+          </a:blip>
+          <a:stretch>
+            <a:fillRect/>
+          </a:stretch>
+        </p:blipFill>
+        <p:spPr>
+          <a:xfrm>
+            <a:off x="10041833" y="4624318"/>
+            <a:ext cx="1828800" cy="1828800"/>
+          </a:xfrm>
+          <a:prstGeom prst="rect">
+            <a:avLst/>
+          </a:prstGeom>
+        </p:spPr>
+      </p:pic>
+    </p:spTree>
+    <p:extLst>
+      <p:ext uri="{BB962C8B-B14F-4D97-AF65-F5344CB8AC3E}">
+        <p14:creationId xmlns:p14="http://schemas.microsoft.com/office/powerpoint/2010/main" val="2294074676"/>
+      </p:ext>
+    </p:extLst>
+  </p:cSld>
+  <p:clrMapOvr>
+    <a:masterClrMapping/>
+  </p:clrMapOvr>
+</p:sld>
+</file>
+
+<file path=ppt/slides/slide20.xml><?xml version="1.0" encoding="utf-8"?>
+<p:sld xmlns:a="http://schemas.openxmlformats.org/drawingml/2006/main" xmlns:r="http://schemas.openxmlformats.org/officeDocument/2006/relationships" xmlns:p="http://schemas.openxmlformats.org/presentationml/2006/main">
+  <p:cSld>
+    <p:spTree>
+      <p:nvGrpSpPr>
+        <p:cNvPr id="1" name=""/>
+        <p:cNvGrpSpPr/>
+        <p:nvPr/>
+      </p:nvGrpSpPr>
+      <p:grpSpPr>
+        <a:xfrm>
+          <a:off x="0" y="0"/>
+          <a:ext cx="0" cy="0"/>
+          <a:chOff x="0" y="0"/>
+          <a:chExt cx="0" cy="0"/>
+        </a:xfrm>
+      </p:grpSpPr>
+      <p:sp>
+        <p:nvSpPr>
+          <p:cNvPr id="2" name="Title 1">
+            <a:extLst>
+              <a:ext uri="{FF2B5EF4-FFF2-40B4-BE49-F238E27FC236}">
                 <a16:creationId xmlns:a16="http://schemas.microsoft.com/office/drawing/2014/main" id="{B4CD5E75-E785-4341-A7BF-F4B32DA70A8F}"/>
               </a:ext>
             </a:extLst>
@@ -5451,173 +5762,7 @@
 </p:sld>
 </file>
 
-<file path=ppt/slides/slide2.xml><?xml version="1.0" encoding="utf-8"?>
-<p:sld xmlns:a="http://schemas.openxmlformats.org/drawingml/2006/main" xmlns:r="http://schemas.openxmlformats.org/officeDocument/2006/relationships" xmlns:p="http://schemas.openxmlformats.org/presentationml/2006/main">
-  <p:cSld>
-    <p:spTree>
-      <p:nvGrpSpPr>
-        <p:cNvPr id="1" name=""/>
-        <p:cNvGrpSpPr/>
-        <p:nvPr/>
-      </p:nvGrpSpPr>
-      <p:grpSpPr>
-        <a:xfrm>
-          <a:off x="0" y="0"/>
-          <a:ext cx="0" cy="0"/>
-          <a:chOff x="0" y="0"/>
-          <a:chExt cx="0" cy="0"/>
-        </a:xfrm>
-      </p:grpSpPr>
-      <p:sp>
-        <p:nvSpPr>
-          <p:cNvPr id="2" name="Title 1">
-            <a:extLst>
-              <a:ext uri="{FF2B5EF4-FFF2-40B4-BE49-F238E27FC236}">
-                <a16:creationId xmlns:a16="http://schemas.microsoft.com/office/drawing/2014/main" id="{F51F58E7-146B-44E9-8C08-DB020E0A6186}"/>
-              </a:ext>
-            </a:extLst>
-          </p:cNvPr>
-          <p:cNvSpPr>
-            <a:spLocks noGrp="1"/>
-          </p:cNvSpPr>
-          <p:nvPr>
-            <p:ph type="title"/>
-          </p:nvPr>
-        </p:nvSpPr>
-        <p:spPr/>
-        <p:txBody>
-          <a:bodyPr/>
-          <a:lstStyle/>
-          <a:p>
-            <a:r>
-              <a:rPr lang="en-US" dirty="0"/>
-              <a:t>Step 1: The Virtual Machine</a:t>
-            </a:r>
-          </a:p>
-        </p:txBody>
-      </p:sp>
-      <p:sp>
-        <p:nvSpPr>
-          <p:cNvPr id="3" name="Content Placeholder 2">
-            <a:extLst>
-              <a:ext uri="{FF2B5EF4-FFF2-40B4-BE49-F238E27FC236}">
-                <a16:creationId xmlns:a16="http://schemas.microsoft.com/office/drawing/2014/main" id="{F22BE8C5-1D53-4EDB-AA16-52689F6A4FD6}"/>
-              </a:ext>
-            </a:extLst>
-          </p:cNvPr>
-          <p:cNvSpPr>
-            <a:spLocks noGrp="1"/>
-          </p:cNvSpPr>
-          <p:nvPr>
-            <p:ph idx="1"/>
-          </p:nvPr>
-        </p:nvSpPr>
-        <p:spPr/>
-        <p:txBody>
-          <a:bodyPr/>
-          <a:lstStyle/>
-          <a:p>
-            <a:r>
-              <a:rPr lang="en-US" dirty="0"/>
-              <a:t>ROS and SLAM run on a Linux operating system called Ubuntu.</a:t>
-            </a:r>
-          </a:p>
-          <a:p>
-            <a:r>
-              <a:rPr lang="en-US" dirty="0"/>
-              <a:t>  Unless we want to completely wipe out the existing OS on our computer it would be a good idea to use a virtual machine instead.</a:t>
-            </a:r>
-          </a:p>
-          <a:p>
-            <a:r>
-              <a:rPr lang="en-US" dirty="0"/>
-              <a:t>  A virtual machine is like a small computer within a computer, so that the small computer won't affect the outer computer.</a:t>
-            </a:r>
-          </a:p>
-          <a:p>
-            <a:r>
-              <a:rPr lang="en-US" dirty="0"/>
-              <a:t>  We will be using Oracle VM VirtualBox.</a:t>
-            </a:r>
-          </a:p>
-          <a:p>
-            <a:r>
-              <a:rPr lang="en-US" dirty="0"/>
-              <a:t>  VirtualBox can be found at: </a:t>
-            </a:r>
-            <a:r>
-              <a:rPr lang="en-US" dirty="0">
-                <a:hlinkClick r:id="rId2"/>
-              </a:rPr>
-              <a:t>https://www.virtualbox.org/</a:t>
-            </a:r>
-            <a:endParaRPr lang="en-US" dirty="0"/>
-          </a:p>
-          <a:p>
-            <a:r>
-              <a:rPr lang="en-US" dirty="0"/>
-              <a:t>To install VirtualBox: </a:t>
-            </a:r>
-            <a:r>
-              <a:rPr lang="en-US" dirty="0">
-                <a:hlinkClick r:id="rId3" action="ppaction://hlinkpres?slideindex=1&amp;slidetitle="/>
-              </a:rPr>
-              <a:t>VirtualBox Install</a:t>
-            </a:r>
-            <a:endParaRPr lang="en-US" dirty="0"/>
-          </a:p>
-        </p:txBody>
-      </p:sp>
-      <p:pic>
-        <p:nvPicPr>
-          <p:cNvPr id="5" name="Picture 4" descr="A picture containing black, drawing&#10;&#10;Description automatically generated">
-            <a:extLst>
-              <a:ext uri="{FF2B5EF4-FFF2-40B4-BE49-F238E27FC236}">
-                <a16:creationId xmlns:a16="http://schemas.microsoft.com/office/drawing/2014/main" id="{8DA3A4D6-3E02-4A7D-AD01-838298ED2A53}"/>
-              </a:ext>
-            </a:extLst>
-          </p:cNvPr>
-          <p:cNvPicPr>
-            <a:picLocks noChangeAspect="1"/>
-          </p:cNvPicPr>
-          <p:nvPr/>
-        </p:nvPicPr>
-        <p:blipFill>
-          <a:blip r:embed="rId4">
-            <a:extLst>
-              <a:ext uri="{28A0092B-C50C-407E-A947-70E740481C1C}">
-                <a14:useLocalDpi xmlns:a14="http://schemas.microsoft.com/office/drawing/2010/main" val="0"/>
-              </a:ext>
-            </a:extLst>
-          </a:blip>
-          <a:stretch>
-            <a:fillRect/>
-          </a:stretch>
-        </p:blipFill>
-        <p:spPr>
-          <a:xfrm>
-            <a:off x="10041833" y="4624318"/>
-            <a:ext cx="1828800" cy="1828800"/>
-          </a:xfrm>
-          <a:prstGeom prst="rect">
-            <a:avLst/>
-          </a:prstGeom>
-        </p:spPr>
-      </p:pic>
-    </p:spTree>
-    <p:extLst>
-      <p:ext uri="{BB962C8B-B14F-4D97-AF65-F5344CB8AC3E}">
-        <p14:creationId xmlns:p14="http://schemas.microsoft.com/office/powerpoint/2010/main" val="2294074676"/>
-      </p:ext>
-    </p:extLst>
-  </p:cSld>
-  <p:clrMapOvr>
-    <a:masterClrMapping/>
-  </p:clrMapOvr>
-</p:sld>
-</file>
-
-<file path=ppt/slides/slide20.xml><?xml version="1.0" encoding="utf-8"?>
+<file path=ppt/slides/slide21.xml><?xml version="1.0" encoding="utf-8"?>
 <p:sld xmlns:a="http://schemas.openxmlformats.org/drawingml/2006/main" xmlns:r="http://schemas.openxmlformats.org/officeDocument/2006/relationships" xmlns:p="http://schemas.openxmlformats.org/presentationml/2006/main">
   <p:cSld>
     <p:spTree>

--- a/Tutorials/MainTutorial.pptx
+++ b/Tutorials/MainTutorial.pptx
@@ -5184,7 +5184,9 @@
           </a:xfrm>
         </p:spPr>
         <p:txBody>
-          <a:bodyPr/>
+          <a:bodyPr>
+            <a:normAutofit fontScale="92500" lnSpcReduction="10000"/>
+          </a:bodyPr>
           <a:lstStyle/>
           <a:p>
             <a:r>
@@ -5251,6 +5253,17 @@
               <a:rPr lang="en-US" dirty="0"/>
               <a:t> turtlebot3_teleop turtlebot3_teleop_key.launch</a:t>
             </a:r>
+          </a:p>
+          <a:p>
+            <a:r>
+              <a:rPr lang="en-US" dirty="0"/>
+              <a:t>This window needs to be open to control the </a:t>
+            </a:r>
+            <a:r>
+              <a:rPr lang="en-US" dirty="0" err="1"/>
+              <a:t>robo</a:t>
+            </a:r>
+            <a:endParaRPr lang="en-US" dirty="0"/>
           </a:p>
           <a:p>
             <a:endParaRPr lang="en-US" dirty="0"/>
@@ -5850,10 +5863,10 @@
       </p:sp>
       <p:pic>
         <p:nvPicPr>
-          <p:cNvPr id="4" name="Picture 3">
-            <a:extLst>
-              <a:ext uri="{FF2B5EF4-FFF2-40B4-BE49-F238E27FC236}">
-                <a16:creationId xmlns:a16="http://schemas.microsoft.com/office/drawing/2014/main" id="{23F70D3C-8B76-4790-B81A-30A95DD232C5}"/>
+          <p:cNvPr id="5" name="Picture 4">
+            <a:extLst>
+              <a:ext uri="{FF2B5EF4-FFF2-40B4-BE49-F238E27FC236}">
+                <a16:creationId xmlns:a16="http://schemas.microsoft.com/office/drawing/2014/main" id="{28B95DEA-0EF8-4D4B-BD03-E9FF20E7DEF1}"/>
               </a:ext>
             </a:extLst>
           </p:cNvPr>
@@ -5870,8 +5883,8 @@
         </p:blipFill>
         <p:spPr>
           <a:xfrm>
-            <a:off x="302680" y="1825625"/>
-            <a:ext cx="6151357" cy="3856718"/>
+            <a:off x="302682" y="1825625"/>
+            <a:ext cx="5439533" cy="3419952"/>
           </a:xfrm>
           <a:prstGeom prst="rect">
             <a:avLst/>
